--- a/Restaurant Management System.pptx
+++ b/Restaurant Management System.pptx
@@ -8,9 +8,10 @@
     <p:sldId id="256" r:id="rId2"/>
     <p:sldId id="258" r:id="rId3"/>
     <p:sldId id="262" r:id="rId4"/>
-    <p:sldId id="260" r:id="rId5"/>
-    <p:sldId id="265" r:id="rId6"/>
-    <p:sldId id="261" r:id="rId7"/>
+    <p:sldId id="265" r:id="rId5"/>
+    <p:sldId id="267" r:id="rId6"/>
+    <p:sldId id="270" r:id="rId7"/>
+    <p:sldId id="271" r:id="rId8"/>
   </p:sldIdLst>
   <p:sldSz cx="12192000" cy="6858000"/>
   <p:notesSz cx="6858000" cy="9144000"/>
@@ -117,44 +118,874 @@
 </p:presentation>
 </file>
 
+<file path=ppt/revisionInfo.xml><?xml version="1.0" encoding="utf-8"?>
+<p1510:revInfo xmlns:a="http://schemas.openxmlformats.org/drawingml/2006/main" xmlns:r="http://schemas.openxmlformats.org/officeDocument/2006/relationships" xmlns:p1510="http://schemas.microsoft.com/office/powerpoint/2015/10/main">
+  <p1510:revLst>
+    <p1510:client id="{FE6C86E5-A135-4089-8225-1236D3D833C5}" v="26" dt="2021-01-12T21:16:34.801"/>
+  </p1510:revLst>
+</p1510:revInfo>
+</file>
+
 <file path=ppt/changesInfos/changesInfo1.xml><?xml version="1.0" encoding="utf-8"?>
 <pc:chgInfo xmlns:a="http://schemas.openxmlformats.org/drawingml/2006/main" xmlns:r="http://schemas.openxmlformats.org/officeDocument/2006/relationships" xmlns:ac="http://schemas.microsoft.com/office/drawing/2013/main/command" xmlns:pc="http://schemas.microsoft.com/office/powerpoint/2013/main/command">
   <pc:docChgLst>
     <pc:chgData name="yehiel yegudayev" userId="5a9c4bee-7c6f-44d0-bf84-35afabf18afc" providerId="ADAL" clId="{FE6C86E5-A135-4089-8225-1236D3D833C5}"/>
-    <pc:docChg chg="modSld sldOrd">
-      <pc:chgData name="yehiel yegudayev" userId="5a9c4bee-7c6f-44d0-bf84-35afabf18afc" providerId="ADAL" clId="{FE6C86E5-A135-4089-8225-1236D3D833C5}" dt="2021-01-06T18:51:41.969" v="233" actId="20577"/>
+    <pc:docChg chg="undo custSel mod addSld delSld modSld sldOrd">
+      <pc:chgData name="yehiel yegudayev" userId="5a9c4bee-7c6f-44d0-bf84-35afabf18afc" providerId="ADAL" clId="{FE6C86E5-A135-4089-8225-1236D3D833C5}" dt="2021-01-12T21:19:08.759" v="3366" actId="27636"/>
       <pc:docMkLst>
         <pc:docMk/>
       </pc:docMkLst>
-      <pc:sldChg chg="modSp mod ord">
-        <pc:chgData name="yehiel yegudayev" userId="5a9c4bee-7c6f-44d0-bf84-35afabf18afc" providerId="ADAL" clId="{FE6C86E5-A135-4089-8225-1236D3D833C5}" dt="2021-01-06T18:51:41.969" v="233" actId="20577"/>
+      <pc:sldChg chg="addSp delSp modSp mod setBg setClrOvrMap">
+        <pc:chgData name="yehiel yegudayev" userId="5a9c4bee-7c6f-44d0-bf84-35afabf18afc" providerId="ADAL" clId="{FE6C86E5-A135-4089-8225-1236D3D833C5}" dt="2021-01-12T21:18:17.947" v="3357" actId="2711"/>
+        <pc:sldMkLst>
+          <pc:docMk/>
+          <pc:sldMk cId="4055827786" sldId="256"/>
+        </pc:sldMkLst>
+        <pc:spChg chg="mod ord">
+          <ac:chgData name="yehiel yegudayev" userId="5a9c4bee-7c6f-44d0-bf84-35afabf18afc" providerId="ADAL" clId="{FE6C86E5-A135-4089-8225-1236D3D833C5}" dt="2021-01-12T21:18:17.947" v="3357" actId="2711"/>
+          <ac:spMkLst>
+            <pc:docMk/>
+            <pc:sldMk cId="4055827786" sldId="256"/>
+            <ac:spMk id="2" creationId="{DAC79498-B70C-4D55-9B59-88054AC798E1}"/>
+          </ac:spMkLst>
+        </pc:spChg>
+        <pc:spChg chg="add del">
+          <ac:chgData name="yehiel yegudayev" userId="5a9c4bee-7c6f-44d0-bf84-35afabf18afc" providerId="ADAL" clId="{FE6C86E5-A135-4089-8225-1236D3D833C5}" dt="2021-01-11T21:57:29.332" v="475" actId="26606"/>
+          <ac:spMkLst>
+            <pc:docMk/>
+            <pc:sldMk cId="4055827786" sldId="256"/>
+            <ac:spMk id="8" creationId="{0671A8AE-40A1-4631-A6B8-581AFF065482}"/>
+          </ac:spMkLst>
+        </pc:spChg>
+        <pc:spChg chg="add del">
+          <ac:chgData name="yehiel yegudayev" userId="5a9c4bee-7c6f-44d0-bf84-35afabf18afc" providerId="ADAL" clId="{FE6C86E5-A135-4089-8225-1236D3D833C5}" dt="2021-01-11T21:57:29.332" v="475" actId="26606"/>
+          <ac:spMkLst>
+            <pc:docMk/>
+            <pc:sldMk cId="4055827786" sldId="256"/>
+            <ac:spMk id="10" creationId="{AB58EF07-17C2-48CF-ABB0-EEF1F17CB8F0}"/>
+          </ac:spMkLst>
+        </pc:spChg>
+        <pc:spChg chg="add del">
+          <ac:chgData name="yehiel yegudayev" userId="5a9c4bee-7c6f-44d0-bf84-35afabf18afc" providerId="ADAL" clId="{FE6C86E5-A135-4089-8225-1236D3D833C5}" dt="2021-01-11T21:57:29.332" v="475" actId="26606"/>
+          <ac:spMkLst>
+            <pc:docMk/>
+            <pc:sldMk cId="4055827786" sldId="256"/>
+            <ac:spMk id="12" creationId="{AF2F604E-43BE-4DC3-B983-E071523364F8}"/>
+          </ac:spMkLst>
+        </pc:spChg>
+        <pc:spChg chg="add del">
+          <ac:chgData name="yehiel yegudayev" userId="5a9c4bee-7c6f-44d0-bf84-35afabf18afc" providerId="ADAL" clId="{FE6C86E5-A135-4089-8225-1236D3D833C5}" dt="2021-01-11T21:57:29.332" v="475" actId="26606"/>
+          <ac:spMkLst>
+            <pc:docMk/>
+            <pc:sldMk cId="4055827786" sldId="256"/>
+            <ac:spMk id="14" creationId="{08C9B587-E65E-4B52-B37C-ABEBB6E87928}"/>
+          </ac:spMkLst>
+        </pc:spChg>
+        <pc:spChg chg="add del">
+          <ac:chgData name="yehiel yegudayev" userId="5a9c4bee-7c6f-44d0-bf84-35afabf18afc" providerId="ADAL" clId="{FE6C86E5-A135-4089-8225-1236D3D833C5}" dt="2021-01-11T21:51:25.840" v="449" actId="26606"/>
+          <ac:spMkLst>
+            <pc:docMk/>
+            <pc:sldMk cId="4055827786" sldId="256"/>
+            <ac:spMk id="19" creationId="{75F4D120-3921-42A8-A063-46B023CB0CDA}"/>
+          </ac:spMkLst>
+        </pc:spChg>
+        <pc:spChg chg="add del">
+          <ac:chgData name="yehiel yegudayev" userId="5a9c4bee-7c6f-44d0-bf84-35afabf18afc" providerId="ADAL" clId="{FE6C86E5-A135-4089-8225-1236D3D833C5}" dt="2021-01-11T21:51:28.438" v="451" actId="26606"/>
+          <ac:spMkLst>
+            <pc:docMk/>
+            <pc:sldMk cId="4055827786" sldId="256"/>
+            <ac:spMk id="23" creationId="{BCC55ACC-A2F6-403C-A3A4-D59B3734D45F}"/>
+          </ac:spMkLst>
+        </pc:spChg>
+        <pc:spChg chg="add del">
+          <ac:chgData name="yehiel yegudayev" userId="5a9c4bee-7c6f-44d0-bf84-35afabf18afc" providerId="ADAL" clId="{FE6C86E5-A135-4089-8225-1236D3D833C5}" dt="2021-01-11T21:51:29.293" v="453" actId="26606"/>
+          <ac:spMkLst>
+            <pc:docMk/>
+            <pc:sldMk cId="4055827786" sldId="256"/>
+            <ac:spMk id="25" creationId="{9B8051E0-19D7-43E1-BFD9-E6DBFEB3A3F1}"/>
+          </ac:spMkLst>
+        </pc:spChg>
+        <pc:spChg chg="add del">
+          <ac:chgData name="yehiel yegudayev" userId="5a9c4bee-7c6f-44d0-bf84-35afabf18afc" providerId="ADAL" clId="{FE6C86E5-A135-4089-8225-1236D3D833C5}" dt="2021-01-11T21:51:29.293" v="453" actId="26606"/>
+          <ac:spMkLst>
+            <pc:docMk/>
+            <pc:sldMk cId="4055827786" sldId="256"/>
+            <ac:spMk id="26" creationId="{07322A9E-F1EC-405E-8971-BA906EFFCCB8}"/>
+          </ac:spMkLst>
+        </pc:spChg>
+        <pc:spChg chg="add del">
+          <ac:chgData name="yehiel yegudayev" userId="5a9c4bee-7c6f-44d0-bf84-35afabf18afc" providerId="ADAL" clId="{FE6C86E5-A135-4089-8225-1236D3D833C5}" dt="2021-01-11T21:51:29.293" v="453" actId="26606"/>
+          <ac:spMkLst>
+            <pc:docMk/>
+            <pc:sldMk cId="4055827786" sldId="256"/>
+            <ac:spMk id="27" creationId="{4EDB2B02-86A2-46F5-A4BE-B7D9B10411D6}"/>
+          </ac:spMkLst>
+        </pc:spChg>
+        <pc:spChg chg="add del">
+          <ac:chgData name="yehiel yegudayev" userId="5a9c4bee-7c6f-44d0-bf84-35afabf18afc" providerId="ADAL" clId="{FE6C86E5-A135-4089-8225-1236D3D833C5}" dt="2021-01-11T21:51:29.293" v="453" actId="26606"/>
+          <ac:spMkLst>
+            <pc:docMk/>
+            <pc:sldMk cId="4055827786" sldId="256"/>
+            <ac:spMk id="28" creationId="{A5704422-1118-4FD1-95AD-29A064EB80D9}"/>
+          </ac:spMkLst>
+        </pc:spChg>
+        <pc:spChg chg="add del">
+          <ac:chgData name="yehiel yegudayev" userId="5a9c4bee-7c6f-44d0-bf84-35afabf18afc" providerId="ADAL" clId="{FE6C86E5-A135-4089-8225-1236D3D833C5}" dt="2021-01-11T21:51:29.293" v="453" actId="26606"/>
+          <ac:spMkLst>
+            <pc:docMk/>
+            <pc:sldMk cId="4055827786" sldId="256"/>
+            <ac:spMk id="29" creationId="{43954639-FB5D-41F4-9560-6F6DFE778425}"/>
+          </ac:spMkLst>
+        </pc:spChg>
+        <pc:spChg chg="add del">
+          <ac:chgData name="yehiel yegudayev" userId="5a9c4bee-7c6f-44d0-bf84-35afabf18afc" providerId="ADAL" clId="{FE6C86E5-A135-4089-8225-1236D3D833C5}" dt="2021-01-11T21:51:29.293" v="453" actId="26606"/>
+          <ac:spMkLst>
+            <pc:docMk/>
+            <pc:sldMk cId="4055827786" sldId="256"/>
+            <ac:spMk id="30" creationId="{A88B2AAA-B805-498E-A9E6-98B885855498}"/>
+          </ac:spMkLst>
+        </pc:spChg>
+        <pc:spChg chg="add del">
+          <ac:chgData name="yehiel yegudayev" userId="5a9c4bee-7c6f-44d0-bf84-35afabf18afc" providerId="ADAL" clId="{FE6C86E5-A135-4089-8225-1236D3D833C5}" dt="2021-01-11T21:51:29.293" v="453" actId="26606"/>
+          <ac:spMkLst>
+            <pc:docMk/>
+            <pc:sldMk cId="4055827786" sldId="256"/>
+            <ac:spMk id="31" creationId="{E898931C-0323-41FA-A036-20F818B1FF81}"/>
+          </ac:spMkLst>
+        </pc:spChg>
+        <pc:spChg chg="add del">
+          <ac:chgData name="yehiel yegudayev" userId="5a9c4bee-7c6f-44d0-bf84-35afabf18afc" providerId="ADAL" clId="{FE6C86E5-A135-4089-8225-1236D3D833C5}" dt="2021-01-11T21:51:29.293" v="453" actId="26606"/>
+          <ac:spMkLst>
+            <pc:docMk/>
+            <pc:sldMk cId="4055827786" sldId="256"/>
+            <ac:spMk id="33" creationId="{89AFE9DD-0792-4B98-B4EB-97ACA17E6AA8}"/>
+          </ac:spMkLst>
+        </pc:spChg>
+        <pc:spChg chg="add del">
+          <ac:chgData name="yehiel yegudayev" userId="5a9c4bee-7c6f-44d0-bf84-35afabf18afc" providerId="ADAL" clId="{FE6C86E5-A135-4089-8225-1236D3D833C5}" dt="2021-01-11T21:51:29.293" v="453" actId="26606"/>
+          <ac:spMkLst>
+            <pc:docMk/>
+            <pc:sldMk cId="4055827786" sldId="256"/>
+            <ac:spMk id="35" creationId="{3981F5C4-9AE1-404E-AF44-A4E6DB374F9D}"/>
+          </ac:spMkLst>
+        </pc:spChg>
+        <pc:spChg chg="add del">
+          <ac:chgData name="yehiel yegudayev" userId="5a9c4bee-7c6f-44d0-bf84-35afabf18afc" providerId="ADAL" clId="{FE6C86E5-A135-4089-8225-1236D3D833C5}" dt="2021-01-11T21:51:29.293" v="453" actId="26606"/>
+          <ac:spMkLst>
+            <pc:docMk/>
+            <pc:sldMk cId="4055827786" sldId="256"/>
+            <ac:spMk id="37" creationId="{763C1781-8726-4FAC-8C45-FF40376BE409}"/>
+          </ac:spMkLst>
+        </pc:spChg>
+        <pc:spChg chg="add del">
+          <ac:chgData name="yehiel yegudayev" userId="5a9c4bee-7c6f-44d0-bf84-35afabf18afc" providerId="ADAL" clId="{FE6C86E5-A135-4089-8225-1236D3D833C5}" dt="2021-01-11T21:51:29.293" v="453" actId="26606"/>
+          <ac:spMkLst>
+            <pc:docMk/>
+            <pc:sldMk cId="4055827786" sldId="256"/>
+            <ac:spMk id="39" creationId="{301491B5-56C7-43DC-A3D9-861EECCA056A}"/>
+          </ac:spMkLst>
+        </pc:spChg>
+        <pc:spChg chg="add del">
+          <ac:chgData name="yehiel yegudayev" userId="5a9c4bee-7c6f-44d0-bf84-35afabf18afc" providerId="ADAL" clId="{FE6C86E5-A135-4089-8225-1236D3D833C5}" dt="2021-01-11T21:51:29.293" v="453" actId="26606"/>
+          <ac:spMkLst>
+            <pc:docMk/>
+            <pc:sldMk cId="4055827786" sldId="256"/>
+            <ac:spMk id="41" creationId="{237E2353-22DF-46E0-A200-FB30F8F394E2}"/>
+          </ac:spMkLst>
+        </pc:spChg>
+        <pc:spChg chg="add del">
+          <ac:chgData name="yehiel yegudayev" userId="5a9c4bee-7c6f-44d0-bf84-35afabf18afc" providerId="ADAL" clId="{FE6C86E5-A135-4089-8225-1236D3D833C5}" dt="2021-01-11T21:51:29.293" v="453" actId="26606"/>
+          <ac:spMkLst>
+            <pc:docMk/>
+            <pc:sldMk cId="4055827786" sldId="256"/>
+            <ac:spMk id="43" creationId="{DD6138DB-057B-45F7-A5F4-E7BFDA20D02C}"/>
+          </ac:spMkLst>
+        </pc:spChg>
+        <pc:spChg chg="add del">
+          <ac:chgData name="yehiel yegudayev" userId="5a9c4bee-7c6f-44d0-bf84-35afabf18afc" providerId="ADAL" clId="{FE6C86E5-A135-4089-8225-1236D3D833C5}" dt="2021-01-11T21:51:29.293" v="453" actId="26606"/>
+          <ac:spMkLst>
+            <pc:docMk/>
+            <pc:sldMk cId="4055827786" sldId="256"/>
+            <ac:spMk id="45" creationId="{79A54AB1-B64F-4843-BFAB-81CB74E66B65}"/>
+          </ac:spMkLst>
+        </pc:spChg>
+        <pc:spChg chg="add del">
+          <ac:chgData name="yehiel yegudayev" userId="5a9c4bee-7c6f-44d0-bf84-35afabf18afc" providerId="ADAL" clId="{FE6C86E5-A135-4089-8225-1236D3D833C5}" dt="2021-01-11T21:51:29.892" v="455" actId="26606"/>
+          <ac:spMkLst>
+            <pc:docMk/>
+            <pc:sldMk cId="4055827786" sldId="256"/>
+            <ac:spMk id="47" creationId="{BCC55ACC-A2F6-403C-A3A4-D59B3734D45F}"/>
+          </ac:spMkLst>
+        </pc:spChg>
+        <pc:spChg chg="add del">
+          <ac:chgData name="yehiel yegudayev" userId="5a9c4bee-7c6f-44d0-bf84-35afabf18afc" providerId="ADAL" clId="{FE6C86E5-A135-4089-8225-1236D3D833C5}" dt="2021-01-11T21:57:29.332" v="475" actId="26606"/>
+          <ac:spMkLst>
+            <pc:docMk/>
+            <pc:sldMk cId="4055827786" sldId="256"/>
+            <ac:spMk id="49" creationId="{FB5B0058-AF13-4859-B429-4EDDE2A26F7F}"/>
+          </ac:spMkLst>
+        </pc:spChg>
+        <pc:spChg chg="add del">
+          <ac:chgData name="yehiel yegudayev" userId="5a9c4bee-7c6f-44d0-bf84-35afabf18afc" providerId="ADAL" clId="{FE6C86E5-A135-4089-8225-1236D3D833C5}" dt="2021-01-11T21:57:29.332" v="475" actId="26606"/>
+          <ac:spMkLst>
+            <pc:docMk/>
+            <pc:sldMk cId="4055827786" sldId="256"/>
+            <ac:spMk id="50" creationId="{D84C2E9E-0B5D-4B5F-9A1F-70EBDCE39034}"/>
+          </ac:spMkLst>
+        </pc:spChg>
+        <pc:spChg chg="add del">
+          <ac:chgData name="yehiel yegudayev" userId="5a9c4bee-7c6f-44d0-bf84-35afabf18afc" providerId="ADAL" clId="{FE6C86E5-A135-4089-8225-1236D3D833C5}" dt="2021-01-11T21:57:29.332" v="475" actId="26606"/>
+          <ac:spMkLst>
+            <pc:docMk/>
+            <pc:sldMk cId="4055827786" sldId="256"/>
+            <ac:spMk id="51" creationId="{EF36B2BE-65F4-46E3-AFDD-A9AE9E885071}"/>
+          </ac:spMkLst>
+        </pc:spChg>
+        <pc:spChg chg="add del">
+          <ac:chgData name="yehiel yegudayev" userId="5a9c4bee-7c6f-44d0-bf84-35afabf18afc" providerId="ADAL" clId="{FE6C86E5-A135-4089-8225-1236D3D833C5}" dt="2021-01-11T21:51:47.896" v="462" actId="26606"/>
+          <ac:spMkLst>
+            <pc:docMk/>
+            <pc:sldMk cId="4055827786" sldId="256"/>
+            <ac:spMk id="56" creationId="{ECC07320-C2CA-4E29-8481-9D9E143C7788}"/>
+          </ac:spMkLst>
+        </pc:spChg>
+        <pc:picChg chg="add del">
+          <ac:chgData name="yehiel yegudayev" userId="5a9c4bee-7c6f-44d0-bf84-35afabf18afc" providerId="ADAL" clId="{FE6C86E5-A135-4089-8225-1236D3D833C5}" dt="2021-01-11T21:57:30.395" v="478" actId="478"/>
+          <ac:picMkLst>
+            <pc:docMk/>
+            <pc:sldMk cId="4055827786" sldId="256"/>
+            <ac:picMk id="4" creationId="{8E83130C-24BE-48E3-AE1C-641A96078A4A}"/>
+          </ac:picMkLst>
+        </pc:picChg>
+        <pc:picChg chg="add del mod">
+          <ac:chgData name="yehiel yegudayev" userId="5a9c4bee-7c6f-44d0-bf84-35afabf18afc" providerId="ADAL" clId="{FE6C86E5-A135-4089-8225-1236D3D833C5}" dt="2021-01-11T21:46:35.839" v="439" actId="478"/>
+          <ac:picMkLst>
+            <pc:docMk/>
+            <pc:sldMk cId="4055827786" sldId="256"/>
+            <ac:picMk id="5" creationId="{72E2A4CB-5DBD-47F3-BC18-856BA4B3E330}"/>
+          </ac:picMkLst>
+        </pc:picChg>
+        <pc:picChg chg="add del mod">
+          <ac:chgData name="yehiel yegudayev" userId="5a9c4bee-7c6f-44d0-bf84-35afabf18afc" providerId="ADAL" clId="{FE6C86E5-A135-4089-8225-1236D3D833C5}" dt="2021-01-11T21:47:26.074" v="443" actId="478"/>
+          <ac:picMkLst>
+            <pc:docMk/>
+            <pc:sldMk cId="4055827786" sldId="256"/>
+            <ac:picMk id="7" creationId="{17DB60D7-D16A-4D1C-B5F8-462B0F199159}"/>
+          </ac:picMkLst>
+        </pc:picChg>
+        <pc:picChg chg="add del mod">
+          <ac:chgData name="yehiel yegudayev" userId="5a9c4bee-7c6f-44d0-bf84-35afabf18afc" providerId="ADAL" clId="{FE6C86E5-A135-4089-8225-1236D3D833C5}" dt="2021-01-11T21:57:29.906" v="477"/>
+          <ac:picMkLst>
+            <pc:docMk/>
+            <pc:sldMk cId="4055827786" sldId="256"/>
+            <ac:picMk id="11" creationId="{3648F723-5F4F-4D3C-8B7F-85C1A3913291}"/>
+          </ac:picMkLst>
+        </pc:picChg>
+        <pc:picChg chg="add del mod">
+          <ac:chgData name="yehiel yegudayev" userId="5a9c4bee-7c6f-44d0-bf84-35afabf18afc" providerId="ADAL" clId="{FE6C86E5-A135-4089-8225-1236D3D833C5}" dt="2021-01-11T21:57:28.211" v="473"/>
+          <ac:picMkLst>
+            <pc:docMk/>
+            <pc:sldMk cId="4055827786" sldId="256"/>
+            <ac:picMk id="15" creationId="{E5049DDA-752E-40B3-AF97-C8E8BD51F6A7}"/>
+          </ac:picMkLst>
+        </pc:picChg>
+        <pc:picChg chg="add del mod">
+          <ac:chgData name="yehiel yegudayev" userId="5a9c4bee-7c6f-44d0-bf84-35afabf18afc" providerId="ADAL" clId="{FE6C86E5-A135-4089-8225-1236D3D833C5}" dt="2021-01-11T21:57:27.627" v="470"/>
+          <ac:picMkLst>
+            <pc:docMk/>
+            <pc:sldMk cId="4055827786" sldId="256"/>
+            <ac:picMk id="17" creationId="{3A432976-89C0-4E78-A645-2AD05D343D31}"/>
+          </ac:picMkLst>
+        </pc:picChg>
+        <pc:picChg chg="add del">
+          <ac:chgData name="yehiel yegudayev" userId="5a9c4bee-7c6f-44d0-bf84-35afabf18afc" providerId="ADAL" clId="{FE6C86E5-A135-4089-8225-1236D3D833C5}" dt="2021-01-11T21:51:25.840" v="449" actId="26606"/>
+          <ac:picMkLst>
+            <pc:docMk/>
+            <pc:sldMk cId="4055827786" sldId="256"/>
+            <ac:picMk id="21" creationId="{9D01B3E5-85F4-41A9-A504-D5E6268DEC1D}"/>
+          </ac:picMkLst>
+        </pc:picChg>
+        <pc:cxnChg chg="add del mod">
+          <ac:chgData name="yehiel yegudayev" userId="5a9c4bee-7c6f-44d0-bf84-35afabf18afc" providerId="ADAL" clId="{FE6C86E5-A135-4089-8225-1236D3D833C5}" dt="2021-01-12T17:15:31.575" v="535" actId="21"/>
+          <ac:cxnSpMkLst>
+            <pc:docMk/>
+            <pc:sldMk cId="4055827786" sldId="256"/>
+            <ac:cxnSpMk id="40" creationId="{53C21A27-5A04-4070-B5CB-CBEFDA053AE7}"/>
+          </ac:cxnSpMkLst>
+        </pc:cxnChg>
+      </pc:sldChg>
+      <pc:sldChg chg="modSp mod">
+        <pc:chgData name="yehiel yegudayev" userId="5a9c4bee-7c6f-44d0-bf84-35afabf18afc" providerId="ADAL" clId="{FE6C86E5-A135-4089-8225-1236D3D833C5}" dt="2021-01-12T21:18:06.181" v="3356" actId="2711"/>
+        <pc:sldMkLst>
+          <pc:docMk/>
+          <pc:sldMk cId="4278208773" sldId="258"/>
+        </pc:sldMkLst>
+        <pc:spChg chg="mod">
+          <ac:chgData name="yehiel yegudayev" userId="5a9c4bee-7c6f-44d0-bf84-35afabf18afc" providerId="ADAL" clId="{FE6C86E5-A135-4089-8225-1236D3D833C5}" dt="2021-01-12T21:18:00.089" v="3355" actId="14100"/>
+          <ac:spMkLst>
+            <pc:docMk/>
+            <pc:sldMk cId="4278208773" sldId="258"/>
+            <ac:spMk id="10" creationId="{2607ECBE-6419-41D5-84C3-A1E4FB8AB79D}"/>
+          </ac:spMkLst>
+        </pc:spChg>
+        <pc:spChg chg="mod">
+          <ac:chgData name="yehiel yegudayev" userId="5a9c4bee-7c6f-44d0-bf84-35afabf18afc" providerId="ADAL" clId="{FE6C86E5-A135-4089-8225-1236D3D833C5}" dt="2021-01-12T21:18:06.181" v="3356" actId="2711"/>
+          <ac:spMkLst>
+            <pc:docMk/>
+            <pc:sldMk cId="4278208773" sldId="258"/>
+            <ac:spMk id="15" creationId="{AD045FC9-AF3C-40AF-AD6A-EB00EACF8894}"/>
+          </ac:spMkLst>
+        </pc:spChg>
+      </pc:sldChg>
+      <pc:sldChg chg="del">
+        <pc:chgData name="yehiel yegudayev" userId="5a9c4bee-7c6f-44d0-bf84-35afabf18afc" providerId="ADAL" clId="{FE6C86E5-A135-4089-8225-1236D3D833C5}" dt="2021-01-11T21:23:22.275" v="375" actId="47"/>
+        <pc:sldMkLst>
+          <pc:docMk/>
+          <pc:sldMk cId="1911618300" sldId="260"/>
+        </pc:sldMkLst>
+      </pc:sldChg>
+      <pc:sldChg chg="addSp delSp modSp del mod ord">
+        <pc:chgData name="yehiel yegudayev" userId="5a9c4bee-7c6f-44d0-bf84-35afabf18afc" providerId="ADAL" clId="{FE6C86E5-A135-4089-8225-1236D3D833C5}" dt="2021-01-12T20:30:03.082" v="3290" actId="47"/>
         <pc:sldMkLst>
           <pc:docMk/>
           <pc:sldMk cId="478062861" sldId="261"/>
         </pc:sldMkLst>
-        <pc:spChg chg="mod">
-          <ac:chgData name="yehiel yegudayev" userId="5a9c4bee-7c6f-44d0-bf84-35afabf18afc" providerId="ADAL" clId="{FE6C86E5-A135-4089-8225-1236D3D833C5}" dt="2021-01-06T18:51:41.969" v="233" actId="20577"/>
+        <pc:spChg chg="del">
+          <ac:chgData name="yehiel yegudayev" userId="5a9c4bee-7c6f-44d0-bf84-35afabf18afc" providerId="ADAL" clId="{FE6C86E5-A135-4089-8225-1236D3D833C5}" dt="2021-01-12T17:31:14.632" v="778" actId="478"/>
+          <ac:spMkLst>
+            <pc:docMk/>
+            <pc:sldMk cId="478062861" sldId="261"/>
+            <ac:spMk id="2" creationId="{8F7FCC13-268C-4630-80D0-851BCFFD6E6A}"/>
+          </ac:spMkLst>
+        </pc:spChg>
+        <pc:spChg chg="del mod">
+          <ac:chgData name="yehiel yegudayev" userId="5a9c4bee-7c6f-44d0-bf84-35afabf18afc" providerId="ADAL" clId="{FE6C86E5-A135-4089-8225-1236D3D833C5}" dt="2021-01-12T17:31:14.632" v="778" actId="478"/>
           <ac:spMkLst>
             <pc:docMk/>
             <pc:sldMk cId="478062861" sldId="261"/>
             <ac:spMk id="3" creationId="{91C6D054-A3ED-4A04-A28B-04554FE7193D}"/>
           </ac:spMkLst>
         </pc:spChg>
+        <pc:spChg chg="add mod">
+          <ac:chgData name="yehiel yegudayev" userId="5a9c4bee-7c6f-44d0-bf84-35afabf18afc" providerId="ADAL" clId="{FE6C86E5-A135-4089-8225-1236D3D833C5}" dt="2021-01-12T17:31:14.632" v="778" actId="478"/>
+          <ac:spMkLst>
+            <pc:docMk/>
+            <pc:sldMk cId="478062861" sldId="261"/>
+            <ac:spMk id="7" creationId="{1B9A4863-C806-45EE-8D3E-D751DF3EE11A}"/>
+          </ac:spMkLst>
+        </pc:spChg>
+        <pc:spChg chg="add mod">
+          <ac:chgData name="yehiel yegudayev" userId="5a9c4bee-7c6f-44d0-bf84-35afabf18afc" providerId="ADAL" clId="{FE6C86E5-A135-4089-8225-1236D3D833C5}" dt="2021-01-12T17:31:14.632" v="778" actId="478"/>
+          <ac:spMkLst>
+            <pc:docMk/>
+            <pc:sldMk cId="478062861" sldId="261"/>
+            <ac:spMk id="9" creationId="{BA471A2A-D44A-441B-9623-489F8BC43F1D}"/>
+          </ac:spMkLst>
+        </pc:spChg>
+        <pc:picChg chg="add del mod">
+          <ac:chgData name="yehiel yegudayev" userId="5a9c4bee-7c6f-44d0-bf84-35afabf18afc" providerId="ADAL" clId="{FE6C86E5-A135-4089-8225-1236D3D833C5}" dt="2021-01-12T17:31:14.632" v="778" actId="478"/>
+          <ac:picMkLst>
+            <pc:docMk/>
+            <pc:sldMk cId="478062861" sldId="261"/>
+            <ac:picMk id="5" creationId="{62B99FC2-1ED4-437B-943B-A436895909E5}"/>
+          </ac:picMkLst>
+        </pc:picChg>
       </pc:sldChg>
-      <pc:sldChg chg="modSp mod ord">
-        <pc:chgData name="yehiel yegudayev" userId="5a9c4bee-7c6f-44d0-bf84-35afabf18afc" providerId="ADAL" clId="{FE6C86E5-A135-4089-8225-1236D3D833C5}" dt="2021-01-06T18:47:35.062" v="230"/>
+      <pc:sldChg chg="modSp mod">
+        <pc:chgData name="yehiel yegudayev" userId="5a9c4bee-7c6f-44d0-bf84-35afabf18afc" providerId="ADAL" clId="{FE6C86E5-A135-4089-8225-1236D3D833C5}" dt="2021-01-12T21:18:29.498" v="3359" actId="2711"/>
+        <pc:sldMkLst>
+          <pc:docMk/>
+          <pc:sldMk cId="1179201869" sldId="262"/>
+        </pc:sldMkLst>
+        <pc:spChg chg="mod">
+          <ac:chgData name="yehiel yegudayev" userId="5a9c4bee-7c6f-44d0-bf84-35afabf18afc" providerId="ADAL" clId="{FE6C86E5-A135-4089-8225-1236D3D833C5}" dt="2021-01-12T21:18:25.559" v="3358" actId="2711"/>
+          <ac:spMkLst>
+            <pc:docMk/>
+            <pc:sldMk cId="1179201869" sldId="262"/>
+            <ac:spMk id="2" creationId="{4A2CC21D-4412-4C9F-A68A-630BCBB7980E}"/>
+          </ac:spMkLst>
+        </pc:spChg>
+        <pc:spChg chg="mod">
+          <ac:chgData name="yehiel yegudayev" userId="5a9c4bee-7c6f-44d0-bf84-35afabf18afc" providerId="ADAL" clId="{FE6C86E5-A135-4089-8225-1236D3D833C5}" dt="2021-01-12T21:18:29.498" v="3359" actId="2711"/>
+          <ac:spMkLst>
+            <pc:docMk/>
+            <pc:sldMk cId="1179201869" sldId="262"/>
+            <ac:spMk id="12" creationId="{B33608F0-5BE5-4BA2-AE24-78C1DC46D997}"/>
+          </ac:spMkLst>
+        </pc:spChg>
+      </pc:sldChg>
+      <pc:sldChg chg="addSp delSp modSp mod ord setBg">
+        <pc:chgData name="yehiel yegudayev" userId="5a9c4bee-7c6f-44d0-bf84-35afabf18afc" providerId="ADAL" clId="{FE6C86E5-A135-4089-8225-1236D3D833C5}" dt="2021-01-12T21:18:35.568" v="3360" actId="2711"/>
         <pc:sldMkLst>
           <pc:docMk/>
           <pc:sldMk cId="3946283160" sldId="265"/>
         </pc:sldMkLst>
-        <pc:spChg chg="mod">
-          <ac:chgData name="yehiel yegudayev" userId="5a9c4bee-7c6f-44d0-bf84-35afabf18afc" providerId="ADAL" clId="{FE6C86E5-A135-4089-8225-1236D3D833C5}" dt="2021-01-04T21:19:16.818" v="226" actId="20577"/>
+        <pc:spChg chg="del">
+          <ac:chgData name="yehiel yegudayev" userId="5a9c4bee-7c6f-44d0-bf84-35afabf18afc" providerId="ADAL" clId="{FE6C86E5-A135-4089-8225-1236D3D833C5}" dt="2021-01-11T21:23:33.067" v="379" actId="478"/>
+          <ac:spMkLst>
+            <pc:docMk/>
+            <pc:sldMk cId="3946283160" sldId="265"/>
+            <ac:spMk id="2" creationId="{8F7FCC13-268C-4630-80D0-851BCFFD6E6A}"/>
+          </ac:spMkLst>
+        </pc:spChg>
+        <pc:spChg chg="del mod">
+          <ac:chgData name="yehiel yegudayev" userId="5a9c4bee-7c6f-44d0-bf84-35afabf18afc" providerId="ADAL" clId="{FE6C86E5-A135-4089-8225-1236D3D833C5}" dt="2021-01-11T21:23:29.275" v="377" actId="478"/>
           <ac:spMkLst>
             <pc:docMk/>
             <pc:sldMk cId="3946283160" sldId="265"/>
             <ac:spMk id="3" creationId="{91C6D054-A3ED-4A04-A28B-04554FE7193D}"/>
           </ac:spMkLst>
         </pc:spChg>
+        <pc:spChg chg="add del mod">
+          <ac:chgData name="yehiel yegudayev" userId="5a9c4bee-7c6f-44d0-bf84-35afabf18afc" providerId="ADAL" clId="{FE6C86E5-A135-4089-8225-1236D3D833C5}" dt="2021-01-11T21:23:31.664" v="378" actId="478"/>
+          <ac:spMkLst>
+            <pc:docMk/>
+            <pc:sldMk cId="3946283160" sldId="265"/>
+            <ac:spMk id="5" creationId="{FF3AE368-09CA-4D00-937A-EC924DC22364}"/>
+          </ac:spMkLst>
+        </pc:spChg>
+        <pc:spChg chg="add del mod">
+          <ac:chgData name="yehiel yegudayev" userId="5a9c4bee-7c6f-44d0-bf84-35afabf18afc" providerId="ADAL" clId="{FE6C86E5-A135-4089-8225-1236D3D833C5}" dt="2021-01-11T21:23:34.799" v="380" actId="478"/>
+          <ac:spMkLst>
+            <pc:docMk/>
+            <pc:sldMk cId="3946283160" sldId="265"/>
+            <ac:spMk id="7" creationId="{47424B28-C348-4EF5-B497-50C882CA3CE8}"/>
+          </ac:spMkLst>
+        </pc:spChg>
+        <pc:spChg chg="add del">
+          <ac:chgData name="yehiel yegudayev" userId="5a9c4bee-7c6f-44d0-bf84-35afabf18afc" providerId="ADAL" clId="{FE6C86E5-A135-4089-8225-1236D3D833C5}" dt="2021-01-11T21:25:39.759" v="420" actId="26606"/>
+          <ac:spMkLst>
+            <pc:docMk/>
+            <pc:sldMk cId="3946283160" sldId="265"/>
+            <ac:spMk id="11" creationId="{B670DBD5-770C-4383-9F54-5B86E86BD5BB}"/>
+          </ac:spMkLst>
+        </pc:spChg>
+        <pc:spChg chg="add del">
+          <ac:chgData name="yehiel yegudayev" userId="5a9c4bee-7c6f-44d0-bf84-35afabf18afc" providerId="ADAL" clId="{FE6C86E5-A135-4089-8225-1236D3D833C5}" dt="2021-01-11T21:23:44.792" v="383" actId="26606"/>
+          <ac:spMkLst>
+            <pc:docMk/>
+            <pc:sldMk cId="3946283160" sldId="265"/>
+            <ac:spMk id="14" creationId="{42A4FC2C-047E-45A5-965D-8E1E3BF09BC6}"/>
+          </ac:spMkLst>
+        </pc:spChg>
+        <pc:spChg chg="add mod">
+          <ac:chgData name="yehiel yegudayev" userId="5a9c4bee-7c6f-44d0-bf84-35afabf18afc" providerId="ADAL" clId="{FE6C86E5-A135-4089-8225-1236D3D833C5}" dt="2021-01-12T21:18:35.568" v="3360" actId="2711"/>
+          <ac:spMkLst>
+            <pc:docMk/>
+            <pc:sldMk cId="3946283160" sldId="265"/>
+            <ac:spMk id="19" creationId="{9C549106-28EA-418F-8F2E-42CE0E716DC2}"/>
+          </ac:spMkLst>
+        </pc:spChg>
+        <pc:picChg chg="add del mod">
+          <ac:chgData name="yehiel yegudayev" userId="5a9c4bee-7c6f-44d0-bf84-35afabf18afc" providerId="ADAL" clId="{FE6C86E5-A135-4089-8225-1236D3D833C5}" dt="2021-01-12T17:11:44.294" v="479" actId="21"/>
+          <ac:picMkLst>
+            <pc:docMk/>
+            <pc:sldMk cId="3946283160" sldId="265"/>
+            <ac:picMk id="9" creationId="{FD209F56-A78A-420A-BD18-F7BEEFF7D1E6}"/>
+          </ac:picMkLst>
+        </pc:picChg>
+        <pc:picChg chg="add mod">
+          <ac:chgData name="yehiel yegudayev" userId="5a9c4bee-7c6f-44d0-bf84-35afabf18afc" providerId="ADAL" clId="{FE6C86E5-A135-4089-8225-1236D3D833C5}" dt="2021-01-12T17:14:00.673" v="527" actId="692"/>
+          <ac:picMkLst>
+            <pc:docMk/>
+            <pc:sldMk cId="3946283160" sldId="265"/>
+            <ac:picMk id="12" creationId="{8CD3A21B-ECE5-471A-8DE5-45A48BE9755B}"/>
+          </ac:picMkLst>
+        </pc:picChg>
+        <pc:cxnChg chg="add del mod">
+          <ac:chgData name="yehiel yegudayev" userId="5a9c4bee-7c6f-44d0-bf84-35afabf18afc" providerId="ADAL" clId="{FE6C86E5-A135-4089-8225-1236D3D833C5}" dt="2021-01-12T17:15:38.437" v="537" actId="478"/>
+          <ac:cxnSpMkLst>
+            <pc:docMk/>
+            <pc:sldMk cId="3946283160" sldId="265"/>
+            <ac:cxnSpMk id="13" creationId="{B87976B3-BA36-488D-886D-C9063B2807EB}"/>
+          </ac:cxnSpMkLst>
+        </pc:cxnChg>
+        <pc:cxnChg chg="add mod">
+          <ac:chgData name="yehiel yegudayev" userId="5a9c4bee-7c6f-44d0-bf84-35afabf18afc" providerId="ADAL" clId="{FE6C86E5-A135-4089-8225-1236D3D833C5}" dt="2021-01-12T17:15:45.481" v="538" actId="1076"/>
+          <ac:cxnSpMkLst>
+            <pc:docMk/>
+            <pc:sldMk cId="3946283160" sldId="265"/>
+            <ac:cxnSpMk id="15" creationId="{4DC2D3D9-10C1-478F-A51C-097BC3B832AF}"/>
+          </ac:cxnSpMkLst>
+        </pc:cxnChg>
+        <pc:cxnChg chg="add mod">
+          <ac:chgData name="yehiel yegudayev" userId="5a9c4bee-7c6f-44d0-bf84-35afabf18afc" providerId="ADAL" clId="{FE6C86E5-A135-4089-8225-1236D3D833C5}" dt="2021-01-12T17:15:50.715" v="541" actId="1076"/>
+          <ac:cxnSpMkLst>
+            <pc:docMk/>
+            <pc:sldMk cId="3946283160" sldId="265"/>
+            <ac:cxnSpMk id="16" creationId="{BC3F88B2-7A1E-4595-8E56-497EE9763282}"/>
+          </ac:cxnSpMkLst>
+        </pc:cxnChg>
+        <pc:cxnChg chg="add mod">
+          <ac:chgData name="yehiel yegudayev" userId="5a9c4bee-7c6f-44d0-bf84-35afabf18afc" providerId="ADAL" clId="{FE6C86E5-A135-4089-8225-1236D3D833C5}" dt="2021-01-12T17:15:58.613" v="543" actId="1076"/>
+          <ac:cxnSpMkLst>
+            <pc:docMk/>
+            <pc:sldMk cId="3946283160" sldId="265"/>
+            <ac:cxnSpMk id="17" creationId="{63BF08C2-84A1-4DE8-81AB-97959711F96F}"/>
+          </ac:cxnSpMkLst>
+        </pc:cxnChg>
+        <pc:cxnChg chg="add mod">
+          <ac:chgData name="yehiel yegudayev" userId="5a9c4bee-7c6f-44d0-bf84-35afabf18afc" providerId="ADAL" clId="{FE6C86E5-A135-4089-8225-1236D3D833C5}" dt="2021-01-12T17:16:06.271" v="545" actId="1076"/>
+          <ac:cxnSpMkLst>
+            <pc:docMk/>
+            <pc:sldMk cId="3946283160" sldId="265"/>
+            <ac:cxnSpMk id="18" creationId="{F61C1717-0911-42EA-8984-9A7ED960B331}"/>
+          </ac:cxnSpMkLst>
+        </pc:cxnChg>
+      </pc:sldChg>
+      <pc:sldChg chg="modSp add del mod">
+        <pc:chgData name="yehiel yegudayev" userId="5a9c4bee-7c6f-44d0-bf84-35afabf18afc" providerId="ADAL" clId="{FE6C86E5-A135-4089-8225-1236D3D833C5}" dt="2021-01-12T20:32:54.436" v="3349" actId="47"/>
+        <pc:sldMkLst>
+          <pc:docMk/>
+          <pc:sldMk cId="3685300074" sldId="266"/>
+        </pc:sldMkLst>
+        <pc:spChg chg="mod">
+          <ac:chgData name="yehiel yegudayev" userId="5a9c4bee-7c6f-44d0-bf84-35afabf18afc" providerId="ADAL" clId="{FE6C86E5-A135-4089-8225-1236D3D833C5}" dt="2021-01-08T07:17:45.361" v="245" actId="20577"/>
+          <ac:spMkLst>
+            <pc:docMk/>
+            <pc:sldMk cId="3685300074" sldId="266"/>
+            <ac:spMk id="2" creationId="{8F7FCC13-268C-4630-80D0-851BCFFD6E6A}"/>
+          </ac:spMkLst>
+        </pc:spChg>
+        <pc:spChg chg="mod">
+          <ac:chgData name="yehiel yegudayev" userId="5a9c4bee-7c6f-44d0-bf84-35afabf18afc" providerId="ADAL" clId="{FE6C86E5-A135-4089-8225-1236D3D833C5}" dt="2021-01-08T08:06:38.191" v="374" actId="20577"/>
+          <ac:spMkLst>
+            <pc:docMk/>
+            <pc:sldMk cId="3685300074" sldId="266"/>
+            <ac:spMk id="3" creationId="{91C6D054-A3ED-4A04-A28B-04554FE7193D}"/>
+          </ac:spMkLst>
+        </pc:spChg>
+      </pc:sldChg>
+      <pc:sldChg chg="addSp delSp modSp add mod ord setBg">
+        <pc:chgData name="yehiel yegudayev" userId="5a9c4bee-7c6f-44d0-bf84-35afabf18afc" providerId="ADAL" clId="{FE6C86E5-A135-4089-8225-1236D3D833C5}" dt="2021-01-12T21:18:40.516" v="3361" actId="2711"/>
+        <pc:sldMkLst>
+          <pc:docMk/>
+          <pc:sldMk cId="3921134098" sldId="267"/>
+        </pc:sldMkLst>
+        <pc:spChg chg="del">
+          <ac:chgData name="yehiel yegudayev" userId="5a9c4bee-7c6f-44d0-bf84-35afabf18afc" providerId="ADAL" clId="{FE6C86E5-A135-4089-8225-1236D3D833C5}" dt="2021-01-12T17:17:33.023" v="564" actId="478"/>
+          <ac:spMkLst>
+            <pc:docMk/>
+            <pc:sldMk cId="3921134098" sldId="267"/>
+            <ac:spMk id="2" creationId="{8F7FCC13-268C-4630-80D0-851BCFFD6E6A}"/>
+          </ac:spMkLst>
+        </pc:spChg>
+        <pc:spChg chg="del">
+          <ac:chgData name="yehiel yegudayev" userId="5a9c4bee-7c6f-44d0-bf84-35afabf18afc" providerId="ADAL" clId="{FE6C86E5-A135-4089-8225-1236D3D833C5}" dt="2021-01-12T17:17:36.395" v="566" actId="478"/>
+          <ac:spMkLst>
+            <pc:docMk/>
+            <pc:sldMk cId="3921134098" sldId="267"/>
+            <ac:spMk id="3" creationId="{91C6D054-A3ED-4A04-A28B-04554FE7193D}"/>
+          </ac:spMkLst>
+        </pc:spChg>
+        <pc:spChg chg="add mod">
+          <ac:chgData name="yehiel yegudayev" userId="5a9c4bee-7c6f-44d0-bf84-35afabf18afc" providerId="ADAL" clId="{FE6C86E5-A135-4089-8225-1236D3D833C5}" dt="2021-01-12T19:38:41.703" v="1849" actId="1076"/>
+          <ac:spMkLst>
+            <pc:docMk/>
+            <pc:sldMk cId="3921134098" sldId="267"/>
+            <ac:spMk id="8" creationId="{B2C29507-21F1-4693-B5A3-5CA742330764}"/>
+          </ac:spMkLst>
+        </pc:spChg>
+        <pc:spChg chg="add del mod">
+          <ac:chgData name="yehiel yegudayev" userId="5a9c4bee-7c6f-44d0-bf84-35afabf18afc" providerId="ADAL" clId="{FE6C86E5-A135-4089-8225-1236D3D833C5}" dt="2021-01-12T17:17:34.572" v="565" actId="478"/>
+          <ac:spMkLst>
+            <pc:docMk/>
+            <pc:sldMk cId="3921134098" sldId="267"/>
+            <ac:spMk id="9" creationId="{7A26A4E8-D647-4EEB-97BA-1AAB4C1EE051}"/>
+          </ac:spMkLst>
+        </pc:spChg>
+        <pc:spChg chg="add del mod">
+          <ac:chgData name="yehiel yegudayev" userId="5a9c4bee-7c6f-44d0-bf84-35afabf18afc" providerId="ADAL" clId="{FE6C86E5-A135-4089-8225-1236D3D833C5}" dt="2021-01-12T17:17:40.523" v="568" actId="478"/>
+          <ac:spMkLst>
+            <pc:docMk/>
+            <pc:sldMk cId="3921134098" sldId="267"/>
+            <ac:spMk id="11" creationId="{0B44BAE3-0F85-44D6-BEDF-A19DAFB82F33}"/>
+          </ac:spMkLst>
+        </pc:spChg>
+        <pc:spChg chg="add del">
+          <ac:chgData name="yehiel yegudayev" userId="5a9c4bee-7c6f-44d0-bf84-35afabf18afc" providerId="ADAL" clId="{FE6C86E5-A135-4089-8225-1236D3D833C5}" dt="2021-01-12T17:22:23.237" v="585" actId="26606"/>
+          <ac:spMkLst>
+            <pc:docMk/>
+            <pc:sldMk cId="3921134098" sldId="267"/>
+            <ac:spMk id="29" creationId="{E1750109-3B91-4506-B997-0CD8E35A1488}"/>
+          </ac:spMkLst>
+        </pc:spChg>
+        <pc:spChg chg="add del">
+          <ac:chgData name="yehiel yegudayev" userId="5a9c4bee-7c6f-44d0-bf84-35afabf18afc" providerId="ADAL" clId="{FE6C86E5-A135-4089-8225-1236D3D833C5}" dt="2021-01-12T17:22:23.237" v="585" actId="26606"/>
+          <ac:spMkLst>
+            <pc:docMk/>
+            <pc:sldMk cId="3921134098" sldId="267"/>
+            <ac:spMk id="31" creationId="{E72D8D1B-59F6-4FF3-8547-9BBB6129F2FA}"/>
+          </ac:spMkLst>
+        </pc:spChg>
+        <pc:spChg chg="add mod">
+          <ac:chgData name="yehiel yegudayev" userId="5a9c4bee-7c6f-44d0-bf84-35afabf18afc" providerId="ADAL" clId="{FE6C86E5-A135-4089-8225-1236D3D833C5}" dt="2021-01-12T21:18:40.516" v="3361" actId="2711"/>
+          <ac:spMkLst>
+            <pc:docMk/>
+            <pc:sldMk cId="3921134098" sldId="267"/>
+            <ac:spMk id="32" creationId="{8FD84560-75B6-41B4-AFDD-B0CF83F316C8}"/>
+          </ac:spMkLst>
+        </pc:spChg>
+        <pc:spChg chg="add del">
+          <ac:chgData name="yehiel yegudayev" userId="5a9c4bee-7c6f-44d0-bf84-35afabf18afc" providerId="ADAL" clId="{FE6C86E5-A135-4089-8225-1236D3D833C5}" dt="2021-01-12T17:22:23.237" v="585" actId="26606"/>
+          <ac:spMkLst>
+            <pc:docMk/>
+            <pc:sldMk cId="3921134098" sldId="267"/>
+            <ac:spMk id="33" creationId="{14044C96-7CFD-44DB-A579-D77B0D37C681}"/>
+          </ac:spMkLst>
+        </pc:spChg>
+        <pc:spChg chg="add del">
+          <ac:chgData name="yehiel yegudayev" userId="5a9c4bee-7c6f-44d0-bf84-35afabf18afc" providerId="ADAL" clId="{FE6C86E5-A135-4089-8225-1236D3D833C5}" dt="2021-01-12T17:22:23.237" v="585" actId="26606"/>
+          <ac:spMkLst>
+            <pc:docMk/>
+            <pc:sldMk cId="3921134098" sldId="267"/>
+            <ac:spMk id="35" creationId="{8FC8C21F-9484-4A71-ABFA-6C10682FAC3E}"/>
+          </ac:spMkLst>
+        </pc:spChg>
+        <pc:spChg chg="add del">
+          <ac:chgData name="yehiel yegudayev" userId="5a9c4bee-7c6f-44d0-bf84-35afabf18afc" providerId="ADAL" clId="{FE6C86E5-A135-4089-8225-1236D3D833C5}" dt="2021-01-12T17:22:23.237" v="585" actId="26606"/>
+          <ac:spMkLst>
+            <pc:docMk/>
+            <pc:sldMk cId="3921134098" sldId="267"/>
+            <ac:spMk id="37" creationId="{2C444748-5A8D-4B53-89FE-42B455DFA2D1}"/>
+          </ac:spMkLst>
+        </pc:spChg>
+        <pc:spChg chg="add del">
+          <ac:chgData name="yehiel yegudayev" userId="5a9c4bee-7c6f-44d0-bf84-35afabf18afc" providerId="ADAL" clId="{FE6C86E5-A135-4089-8225-1236D3D833C5}" dt="2021-01-12T17:22:23.237" v="585" actId="26606"/>
+          <ac:spMkLst>
+            <pc:docMk/>
+            <pc:sldMk cId="3921134098" sldId="267"/>
+            <ac:spMk id="39" creationId="{F4FFA271-A10A-4AC3-8F06-E3313A197A80}"/>
+          </ac:spMkLst>
+        </pc:spChg>
+        <pc:picChg chg="add del mod">
+          <ac:chgData name="yehiel yegudayev" userId="5a9c4bee-7c6f-44d0-bf84-35afabf18afc" providerId="ADAL" clId="{FE6C86E5-A135-4089-8225-1236D3D833C5}" dt="2021-01-12T17:17:41.598" v="569" actId="478"/>
+          <ac:picMkLst>
+            <pc:docMk/>
+            <pc:sldMk cId="3921134098" sldId="267"/>
+            <ac:picMk id="5" creationId="{52ABDE07-160B-4E8D-B972-5E46401465BF}"/>
+          </ac:picMkLst>
+        </pc:picChg>
+        <pc:picChg chg="add del mod">
+          <ac:chgData name="yehiel yegudayev" userId="5a9c4bee-7c6f-44d0-bf84-35afabf18afc" providerId="ADAL" clId="{FE6C86E5-A135-4089-8225-1236D3D833C5}" dt="2021-01-12T17:17:38.118" v="567" actId="478"/>
+          <ac:picMkLst>
+            <pc:docMk/>
+            <pc:sldMk cId="3921134098" sldId="267"/>
+            <ac:picMk id="7" creationId="{870C40BA-7683-467A-B005-6258906B8712}"/>
+          </ac:picMkLst>
+        </pc:picChg>
+        <pc:picChg chg="add del mod">
+          <ac:chgData name="yehiel yegudayev" userId="5a9c4bee-7c6f-44d0-bf84-35afabf18afc" providerId="ADAL" clId="{FE6C86E5-A135-4089-8225-1236D3D833C5}" dt="2021-01-12T17:19:23.992" v="572" actId="478"/>
+          <ac:picMkLst>
+            <pc:docMk/>
+            <pc:sldMk cId="3921134098" sldId="267"/>
+            <ac:picMk id="13" creationId="{48C7777D-7247-4F05-93EC-5600B8167FDF}"/>
+          </ac:picMkLst>
+        </pc:picChg>
+        <pc:picChg chg="add mod ord">
+          <ac:chgData name="yehiel yegudayev" userId="5a9c4bee-7c6f-44d0-bf84-35afabf18afc" providerId="ADAL" clId="{FE6C86E5-A135-4089-8225-1236D3D833C5}" dt="2021-01-12T17:28:21.263" v="748" actId="208"/>
+          <ac:picMkLst>
+            <pc:docMk/>
+            <pc:sldMk cId="3921134098" sldId="267"/>
+            <ac:picMk id="15" creationId="{D3A7B66C-A7F1-49B0-8FD9-72BDA9910DF5}"/>
+          </ac:picMkLst>
+        </pc:picChg>
+        <pc:picChg chg="add mod ord">
+          <ac:chgData name="yehiel yegudayev" userId="5a9c4bee-7c6f-44d0-bf84-35afabf18afc" providerId="ADAL" clId="{FE6C86E5-A135-4089-8225-1236D3D833C5}" dt="2021-01-12T17:28:21.263" v="748" actId="208"/>
+          <ac:picMkLst>
+            <pc:docMk/>
+            <pc:sldMk cId="3921134098" sldId="267"/>
+            <ac:picMk id="17" creationId="{6EB9988E-7651-4BE9-8FE2-FA6AF71163AF}"/>
+          </ac:picMkLst>
+        </pc:picChg>
+        <pc:picChg chg="add del mod">
+          <ac:chgData name="yehiel yegudayev" userId="5a9c4bee-7c6f-44d0-bf84-35afabf18afc" providerId="ADAL" clId="{FE6C86E5-A135-4089-8225-1236D3D833C5}" dt="2021-01-12T19:31:23.092" v="1352" actId="478"/>
+          <ac:picMkLst>
+            <pc:docMk/>
+            <pc:sldMk cId="3921134098" sldId="267"/>
+            <ac:picMk id="19" creationId="{0DBCC4E8-3E5A-438E-B9E7-2D74D574DA9B}"/>
+          </ac:picMkLst>
+        </pc:picChg>
+        <pc:picChg chg="add del mod">
+          <ac:chgData name="yehiel yegudayev" userId="5a9c4bee-7c6f-44d0-bf84-35afabf18afc" providerId="ADAL" clId="{FE6C86E5-A135-4089-8225-1236D3D833C5}" dt="2021-01-12T17:20:52.547" v="579" actId="478"/>
+          <ac:picMkLst>
+            <pc:docMk/>
+            <pc:sldMk cId="3921134098" sldId="267"/>
+            <ac:picMk id="20" creationId="{73000818-68F9-4466-94FA-6FF4A7186E77}"/>
+          </ac:picMkLst>
+        </pc:picChg>
+        <pc:picChg chg="add del mod">
+          <ac:chgData name="yehiel yegudayev" userId="5a9c4bee-7c6f-44d0-bf84-35afabf18afc" providerId="ADAL" clId="{FE6C86E5-A135-4089-8225-1236D3D833C5}" dt="2021-01-12T19:31:23.695" v="1353" actId="478"/>
+          <ac:picMkLst>
+            <pc:docMk/>
+            <pc:sldMk cId="3921134098" sldId="267"/>
+            <ac:picMk id="22" creationId="{4F515A51-FB81-4505-930B-7B24A900E8D8}"/>
+          </ac:picMkLst>
+        </pc:picChg>
+        <pc:picChg chg="add mod">
+          <ac:chgData name="yehiel yegudayev" userId="5a9c4bee-7c6f-44d0-bf84-35afabf18afc" providerId="ADAL" clId="{FE6C86E5-A135-4089-8225-1236D3D833C5}" dt="2021-01-12T17:28:21.263" v="748" actId="208"/>
+          <ac:picMkLst>
+            <pc:docMk/>
+            <pc:sldMk cId="3921134098" sldId="267"/>
+            <ac:picMk id="24" creationId="{55C0B45F-06D8-4A56-8172-001CDD29E320}"/>
+          </ac:picMkLst>
+        </pc:picChg>
+      </pc:sldChg>
+      <pc:sldChg chg="addSp delSp modSp add del mod">
+        <pc:chgData name="yehiel yegudayev" userId="5a9c4bee-7c6f-44d0-bf84-35afabf18afc" providerId="ADAL" clId="{FE6C86E5-A135-4089-8225-1236D3D833C5}" dt="2021-01-12T17:29:16.434" v="753" actId="47"/>
+        <pc:sldMkLst>
+          <pc:docMk/>
+          <pc:sldMk cId="1977734795" sldId="268"/>
+        </pc:sldMkLst>
+        <pc:spChg chg="del">
+          <ac:chgData name="yehiel yegudayev" userId="5a9c4bee-7c6f-44d0-bf84-35afabf18afc" providerId="ADAL" clId="{FE6C86E5-A135-4089-8225-1236D3D833C5}" dt="2021-01-11T21:38:23.789" v="429" actId="478"/>
+          <ac:spMkLst>
+            <pc:docMk/>
+            <pc:sldMk cId="1977734795" sldId="268"/>
+            <ac:spMk id="2" creationId="{8F7FCC13-268C-4630-80D0-851BCFFD6E6A}"/>
+          </ac:spMkLst>
+        </pc:spChg>
+        <pc:spChg chg="del">
+          <ac:chgData name="yehiel yegudayev" userId="5a9c4bee-7c6f-44d0-bf84-35afabf18afc" providerId="ADAL" clId="{FE6C86E5-A135-4089-8225-1236D3D833C5}" dt="2021-01-11T21:38:25.834" v="430" actId="478"/>
+          <ac:spMkLst>
+            <pc:docMk/>
+            <pc:sldMk cId="1977734795" sldId="268"/>
+            <ac:spMk id="3" creationId="{91C6D054-A3ED-4A04-A28B-04554FE7193D}"/>
+          </ac:spMkLst>
+        </pc:spChg>
+        <pc:spChg chg="add del mod">
+          <ac:chgData name="yehiel yegudayev" userId="5a9c4bee-7c6f-44d0-bf84-35afabf18afc" providerId="ADAL" clId="{FE6C86E5-A135-4089-8225-1236D3D833C5}" dt="2021-01-11T21:38:27.557" v="431" actId="478"/>
+          <ac:spMkLst>
+            <pc:docMk/>
+            <pc:sldMk cId="1977734795" sldId="268"/>
+            <ac:spMk id="6" creationId="{417F598B-BB02-402A-9846-4824E7B5318D}"/>
+          </ac:spMkLst>
+        </pc:spChg>
+        <pc:spChg chg="add del mod">
+          <ac:chgData name="yehiel yegudayev" userId="5a9c4bee-7c6f-44d0-bf84-35afabf18afc" providerId="ADAL" clId="{FE6C86E5-A135-4089-8225-1236D3D833C5}" dt="2021-01-11T21:38:29.018" v="432" actId="478"/>
+          <ac:spMkLst>
+            <pc:docMk/>
+            <pc:sldMk cId="1977734795" sldId="268"/>
+            <ac:spMk id="9" creationId="{B8C4919E-FFF1-4106-9919-9C61BB69F8BA}"/>
+          </ac:spMkLst>
+        </pc:spChg>
+      </pc:sldChg>
+      <pc:sldChg chg="add del">
+        <pc:chgData name="yehiel yegudayev" userId="5a9c4bee-7c6f-44d0-bf84-35afabf18afc" providerId="ADAL" clId="{FE6C86E5-A135-4089-8225-1236D3D833C5}" dt="2021-01-12T17:29:11.393" v="752" actId="47"/>
+        <pc:sldMkLst>
+          <pc:docMk/>
+          <pc:sldMk cId="3951268969" sldId="269"/>
+        </pc:sldMkLst>
+      </pc:sldChg>
+      <pc:sldChg chg="addSp delSp modSp add mod ord">
+        <pc:chgData name="yehiel yegudayev" userId="5a9c4bee-7c6f-44d0-bf84-35afabf18afc" providerId="ADAL" clId="{FE6C86E5-A135-4089-8225-1236D3D833C5}" dt="2021-01-12T21:18:56.085" v="3363" actId="2711"/>
+        <pc:sldMkLst>
+          <pc:docMk/>
+          <pc:sldMk cId="1306214280" sldId="270"/>
+        </pc:sldMkLst>
+        <pc:spChg chg="add del">
+          <ac:chgData name="yehiel yegudayev" userId="5a9c4bee-7c6f-44d0-bf84-35afabf18afc" providerId="ADAL" clId="{FE6C86E5-A135-4089-8225-1236D3D833C5}" dt="2021-01-12T19:39:13.633" v="1861" actId="22"/>
+          <ac:spMkLst>
+            <pc:docMk/>
+            <pc:sldMk cId="1306214280" sldId="270"/>
+            <ac:spMk id="5" creationId="{4DC3E5A4-8856-44AB-9F38-CA7A4BD9EED9}"/>
+          </ac:spMkLst>
+        </pc:spChg>
+        <pc:spChg chg="add mod">
+          <ac:chgData name="yehiel yegudayev" userId="5a9c4bee-7c6f-44d0-bf84-35afabf18afc" providerId="ADAL" clId="{FE6C86E5-A135-4089-8225-1236D3D833C5}" dt="2021-01-12T21:18:56.085" v="3363" actId="2711"/>
+          <ac:spMkLst>
+            <pc:docMk/>
+            <pc:sldMk cId="1306214280" sldId="270"/>
+            <ac:spMk id="6" creationId="{EE6E56BB-E221-4262-AF84-4CC0DDAF0D20}"/>
+          </ac:spMkLst>
+        </pc:spChg>
+        <pc:spChg chg="mod">
+          <ac:chgData name="yehiel yegudayev" userId="5a9c4bee-7c6f-44d0-bf84-35afabf18afc" providerId="ADAL" clId="{FE6C86E5-A135-4089-8225-1236D3D833C5}" dt="2021-01-12T21:18:50.415" v="3362" actId="2711"/>
+          <ac:spMkLst>
+            <pc:docMk/>
+            <pc:sldMk cId="1306214280" sldId="270"/>
+            <ac:spMk id="32" creationId="{8FD84560-75B6-41B4-AFDD-B0CF83F316C8}"/>
+          </ac:spMkLst>
+        </pc:spChg>
+        <pc:picChg chg="add mod">
+          <ac:chgData name="yehiel yegudayev" userId="5a9c4bee-7c6f-44d0-bf84-35afabf18afc" providerId="ADAL" clId="{FE6C86E5-A135-4089-8225-1236D3D833C5}" dt="2021-01-12T19:50:16.414" v="2494" actId="1076"/>
+          <ac:picMkLst>
+            <pc:docMk/>
+            <pc:sldMk cId="1306214280" sldId="270"/>
+            <ac:picMk id="3" creationId="{0AE427D3-7CBA-4683-BE54-E066B19317EA}"/>
+          </ac:picMkLst>
+        </pc:picChg>
+        <pc:picChg chg="del mod">
+          <ac:chgData name="yehiel yegudayev" userId="5a9c4bee-7c6f-44d0-bf84-35afabf18afc" providerId="ADAL" clId="{FE6C86E5-A135-4089-8225-1236D3D833C5}" dt="2021-01-12T17:30:09.536" v="761" actId="478"/>
+          <ac:picMkLst>
+            <pc:docMk/>
+            <pc:sldMk cId="1306214280" sldId="270"/>
+            <ac:picMk id="15" creationId="{D3A7B66C-A7F1-49B0-8FD9-72BDA9910DF5}"/>
+          </ac:picMkLst>
+        </pc:picChg>
+        <pc:picChg chg="del">
+          <ac:chgData name="yehiel yegudayev" userId="5a9c4bee-7c6f-44d0-bf84-35afabf18afc" providerId="ADAL" clId="{FE6C86E5-A135-4089-8225-1236D3D833C5}" dt="2021-01-12T17:29:58.051" v="756" actId="478"/>
+          <ac:picMkLst>
+            <pc:docMk/>
+            <pc:sldMk cId="1306214280" sldId="270"/>
+            <ac:picMk id="17" creationId="{6EB9988E-7651-4BE9-8FE2-FA6AF71163AF}"/>
+          </ac:picMkLst>
+        </pc:picChg>
+        <pc:picChg chg="del">
+          <ac:chgData name="yehiel yegudayev" userId="5a9c4bee-7c6f-44d0-bf84-35afabf18afc" providerId="ADAL" clId="{FE6C86E5-A135-4089-8225-1236D3D833C5}" dt="2021-01-12T17:29:56.913" v="755" actId="478"/>
+          <ac:picMkLst>
+            <pc:docMk/>
+            <pc:sldMk cId="1306214280" sldId="270"/>
+            <ac:picMk id="19" creationId="{0DBCC4E8-3E5A-438E-B9E7-2D74D574DA9B}"/>
+          </ac:picMkLst>
+        </pc:picChg>
+        <pc:picChg chg="del">
+          <ac:chgData name="yehiel yegudayev" userId="5a9c4bee-7c6f-44d0-bf84-35afabf18afc" providerId="ADAL" clId="{FE6C86E5-A135-4089-8225-1236D3D833C5}" dt="2021-01-12T17:29:56.401" v="754" actId="478"/>
+          <ac:picMkLst>
+            <pc:docMk/>
+            <pc:sldMk cId="1306214280" sldId="270"/>
+            <ac:picMk id="22" creationId="{4F515A51-FB81-4505-930B-7B24A900E8D8}"/>
+          </ac:picMkLst>
+        </pc:picChg>
+        <pc:picChg chg="del">
+          <ac:chgData name="yehiel yegudayev" userId="5a9c4bee-7c6f-44d0-bf84-35afabf18afc" providerId="ADAL" clId="{FE6C86E5-A135-4089-8225-1236D3D833C5}" dt="2021-01-12T17:29:59.054" v="757" actId="478"/>
+          <ac:picMkLst>
+            <pc:docMk/>
+            <pc:sldMk cId="1306214280" sldId="270"/>
+            <ac:picMk id="24" creationId="{55C0B45F-06D8-4A56-8172-001CDD29E320}"/>
+          </ac:picMkLst>
+        </pc:picChg>
+      </pc:sldChg>
+      <pc:sldChg chg="addSp delSp modSp add mod">
+        <pc:chgData name="yehiel yegudayev" userId="5a9c4bee-7c6f-44d0-bf84-35afabf18afc" providerId="ADAL" clId="{FE6C86E5-A135-4089-8225-1236D3D833C5}" dt="2021-01-12T21:19:08.759" v="3366" actId="27636"/>
+        <pc:sldMkLst>
+          <pc:docMk/>
+          <pc:sldMk cId="480502424" sldId="271"/>
+        </pc:sldMkLst>
+        <pc:spChg chg="mod">
+          <ac:chgData name="yehiel yegudayev" userId="5a9c4bee-7c6f-44d0-bf84-35afabf18afc" providerId="ADAL" clId="{FE6C86E5-A135-4089-8225-1236D3D833C5}" dt="2021-01-12T21:19:05.719" v="3364" actId="2711"/>
+          <ac:spMkLst>
+            <pc:docMk/>
+            <pc:sldMk cId="480502424" sldId="271"/>
+            <ac:spMk id="6" creationId="{EE6E56BB-E221-4262-AF84-4CC0DDAF0D20}"/>
+          </ac:spMkLst>
+        </pc:spChg>
+        <pc:spChg chg="add del mod">
+          <ac:chgData name="yehiel yegudayev" userId="5a9c4bee-7c6f-44d0-bf84-35afabf18afc" providerId="ADAL" clId="{FE6C86E5-A135-4089-8225-1236D3D833C5}" dt="2021-01-12T21:19:08.759" v="3366" actId="27636"/>
+          <ac:spMkLst>
+            <pc:docMk/>
+            <pc:sldMk cId="480502424" sldId="271"/>
+            <ac:spMk id="32" creationId="{8FD84560-75B6-41B4-AFDD-B0CF83F316C8}"/>
+          </ac:spMkLst>
+        </pc:spChg>
+        <pc:picChg chg="del">
+          <ac:chgData name="yehiel yegudayev" userId="5a9c4bee-7c6f-44d0-bf84-35afabf18afc" providerId="ADAL" clId="{FE6C86E5-A135-4089-8225-1236D3D833C5}" dt="2021-01-12T19:51:07.014" v="2513" actId="478"/>
+          <ac:picMkLst>
+            <pc:docMk/>
+            <pc:sldMk cId="480502424" sldId="271"/>
+            <ac:picMk id="3" creationId="{0AE427D3-7CBA-4683-BE54-E066B19317EA}"/>
+          </ac:picMkLst>
+        </pc:picChg>
       </pc:sldChg>
     </pc:docChg>
   </pc:docChgLst>
@@ -310,7 +1141,7 @@
           <a:p>
             <a:fld id="{502E112B-3BB6-4740-8C12-47557601F7C2}" type="datetimeFigureOut">
               <a:rPr lang="en-US" smtClean="0"/>
-              <a:t>1/6/2021</a:t>
+              <a:t>1/12/2021</a:t>
             </a:fld>
             <a:endParaRPr lang="en-US"/>
           </a:p>
@@ -510,7 +1341,7 @@
           <a:p>
             <a:fld id="{502E112B-3BB6-4740-8C12-47557601F7C2}" type="datetimeFigureOut">
               <a:rPr lang="en-US" smtClean="0"/>
-              <a:t>1/6/2021</a:t>
+              <a:t>1/12/2021</a:t>
             </a:fld>
             <a:endParaRPr lang="en-US"/>
           </a:p>
@@ -720,7 +1551,7 @@
           <a:p>
             <a:fld id="{502E112B-3BB6-4740-8C12-47557601F7C2}" type="datetimeFigureOut">
               <a:rPr lang="en-US" smtClean="0"/>
-              <a:t>1/6/2021</a:t>
+              <a:t>1/12/2021</a:t>
             </a:fld>
             <a:endParaRPr lang="en-US"/>
           </a:p>
@@ -920,7 +1751,7 @@
           <a:p>
             <a:fld id="{502E112B-3BB6-4740-8C12-47557601F7C2}" type="datetimeFigureOut">
               <a:rPr lang="en-US" smtClean="0"/>
-              <a:t>1/6/2021</a:t>
+              <a:t>1/12/2021</a:t>
             </a:fld>
             <a:endParaRPr lang="en-US"/>
           </a:p>
@@ -1196,7 +2027,7 @@
           <a:p>
             <a:fld id="{502E112B-3BB6-4740-8C12-47557601F7C2}" type="datetimeFigureOut">
               <a:rPr lang="en-US" smtClean="0"/>
-              <a:t>1/6/2021</a:t>
+              <a:t>1/12/2021</a:t>
             </a:fld>
             <a:endParaRPr lang="en-US"/>
           </a:p>
@@ -1464,7 +2295,7 @@
           <a:p>
             <a:fld id="{502E112B-3BB6-4740-8C12-47557601F7C2}" type="datetimeFigureOut">
               <a:rPr lang="en-US" smtClean="0"/>
-              <a:t>1/6/2021</a:t>
+              <a:t>1/12/2021</a:t>
             </a:fld>
             <a:endParaRPr lang="en-US"/>
           </a:p>
@@ -1879,7 +2710,7 @@
           <a:p>
             <a:fld id="{502E112B-3BB6-4740-8C12-47557601F7C2}" type="datetimeFigureOut">
               <a:rPr lang="en-US" smtClean="0"/>
-              <a:t>1/6/2021</a:t>
+              <a:t>1/12/2021</a:t>
             </a:fld>
             <a:endParaRPr lang="en-US"/>
           </a:p>
@@ -2021,7 +2852,7 @@
           <a:p>
             <a:fld id="{502E112B-3BB6-4740-8C12-47557601F7C2}" type="datetimeFigureOut">
               <a:rPr lang="en-US" smtClean="0"/>
-              <a:t>1/6/2021</a:t>
+              <a:t>1/12/2021</a:t>
             </a:fld>
             <a:endParaRPr lang="en-US"/>
           </a:p>
@@ -2134,7 +2965,7 @@
           <a:p>
             <a:fld id="{502E112B-3BB6-4740-8C12-47557601F7C2}" type="datetimeFigureOut">
               <a:rPr lang="en-US" smtClean="0"/>
-              <a:t>1/6/2021</a:t>
+              <a:t>1/12/2021</a:t>
             </a:fld>
             <a:endParaRPr lang="en-US"/>
           </a:p>
@@ -2447,7 +3278,7 @@
           <a:p>
             <a:fld id="{502E112B-3BB6-4740-8C12-47557601F7C2}" type="datetimeFigureOut">
               <a:rPr lang="en-US" smtClean="0"/>
-              <a:t>1/6/2021</a:t>
+              <a:t>1/12/2021</a:t>
             </a:fld>
             <a:endParaRPr lang="en-US"/>
           </a:p>
@@ -2736,7 +3567,7 @@
           <a:p>
             <a:fld id="{502E112B-3BB6-4740-8C12-47557601F7C2}" type="datetimeFigureOut">
               <a:rPr lang="en-US" smtClean="0"/>
-              <a:t>1/6/2021</a:t>
+              <a:t>1/12/2021</a:t>
             </a:fld>
             <a:endParaRPr lang="en-US"/>
           </a:p>
@@ -2979,7 +3810,7 @@
           <a:p>
             <a:fld id="{502E112B-3BB6-4740-8C12-47557601F7C2}" type="datetimeFigureOut">
               <a:rPr lang="en-US" smtClean="0"/>
-              <a:t>1/6/2021</a:t>
+              <a:t>1/12/2021</a:t>
             </a:fld>
             <a:endParaRPr lang="en-US"/>
           </a:p>
@@ -3610,11 +4441,16 @@
                     <a:lumMod val="75000"/>
                   </a:schemeClr>
                 </a:solidFill>
+                <a:latin typeface="Arial" panose="020B0604020202020204" pitchFamily="34" charset="0"/>
+                <a:cs typeface="Arial" panose="020B0604020202020204" pitchFamily="34" charset="0"/>
               </a:rPr>
               <a:t>Restaurant</a:t>
             </a:r>
             <a:r>
-              <a:rPr lang="en-US" sz="4800" dirty="0"/>
+              <a:rPr lang="en-US" sz="4800" dirty="0">
+                <a:latin typeface="Arial" panose="020B0604020202020204" pitchFamily="34" charset="0"/>
+                <a:cs typeface="Arial" panose="020B0604020202020204" pitchFamily="34" charset="0"/>
+              </a:rPr>
               <a:t> Management System</a:t>
             </a:r>
           </a:p>
@@ -4005,8 +4841,8 @@
         </p:nvSpPr>
         <p:spPr>
           <a:xfrm>
-            <a:off x="1211558" y="709609"/>
-            <a:ext cx="5149049" cy="2209808"/>
+            <a:off x="257452" y="709609"/>
+            <a:ext cx="6103155" cy="2209808"/>
           </a:xfrm>
           <a:prstGeom prst="rect">
             <a:avLst/>
@@ -4044,6 +4880,7 @@
                     <a:lumMod val="75000"/>
                   </a:schemeClr>
                 </a:solidFill>
+                <a:cs typeface="+mn-cs"/>
               </a:rPr>
               <a:t>תכנות מתקדם – פרויקט גמר</a:t>
             </a:r>
@@ -4055,6 +4892,7 @@
                 <a:solidFill>
                   <a:schemeClr val="bg1"/>
                 </a:solidFill>
+                <a:cs typeface="+mn-cs"/>
               </a:rPr>
             </a:br>
             <a:r>
@@ -4062,6 +4900,7 @@
                 <a:solidFill>
                   <a:schemeClr val="bg1"/>
                 </a:solidFill>
+                <a:cs typeface="+mn-cs"/>
               </a:rPr>
               <a:t>תשפ"א סמסטר א' – ינואר 2021</a:t>
             </a:r>
@@ -4566,12 +5405,56 @@
                     <a:lumMod val="75000"/>
                   </a:schemeClr>
                 </a:solidFill>
-                <a:latin typeface="+mj-lt"/>
-                <a:ea typeface="+mj-ea"/>
-                <a:cs typeface="+mj-cs"/>
-              </a:rPr>
-              <a:t>הסבר על המערכת</a:t>
-            </a:r>
+                <a:latin typeface="Arial" panose="020B0604020202020204" pitchFamily="34" charset="0"/>
+                <a:cs typeface="Arial" panose="020B0604020202020204" pitchFamily="34" charset="0"/>
+              </a:rPr>
+              <a:t>הסבר </a:t>
+            </a:r>
+            <a:r>
+              <a:rPr lang="en-US" sz="4000" kern="1200" dirty="0" err="1">
+                <a:solidFill>
+                  <a:schemeClr val="accent2">
+                    <a:lumMod val="75000"/>
+                  </a:schemeClr>
+                </a:solidFill>
+                <a:latin typeface="Arial" panose="020B0604020202020204" pitchFamily="34" charset="0"/>
+                <a:cs typeface="Arial" panose="020B0604020202020204" pitchFamily="34" charset="0"/>
+              </a:rPr>
+              <a:t>על</a:t>
+            </a:r>
+            <a:r>
+              <a:rPr lang="en-US" sz="4000" kern="1200" dirty="0">
+                <a:solidFill>
+                  <a:schemeClr val="accent2">
+                    <a:lumMod val="75000"/>
+                  </a:schemeClr>
+                </a:solidFill>
+                <a:latin typeface="Arial" panose="020B0604020202020204" pitchFamily="34" charset="0"/>
+                <a:cs typeface="Arial" panose="020B0604020202020204" pitchFamily="34" charset="0"/>
+              </a:rPr>
+              <a:t> </a:t>
+            </a:r>
+            <a:r>
+              <a:rPr lang="en-US" sz="4000" kern="1200" dirty="0" err="1">
+                <a:solidFill>
+                  <a:schemeClr val="accent2">
+                    <a:lumMod val="75000"/>
+                  </a:schemeClr>
+                </a:solidFill>
+                <a:latin typeface="Arial" panose="020B0604020202020204" pitchFamily="34" charset="0"/>
+                <a:cs typeface="Arial" panose="020B0604020202020204" pitchFamily="34" charset="0"/>
+              </a:rPr>
+              <a:t>המערכת</a:t>
+            </a:r>
+            <a:endParaRPr lang="en-US" sz="4000" kern="1200" dirty="0">
+              <a:solidFill>
+                <a:schemeClr val="accent2">
+                  <a:lumMod val="75000"/>
+                </a:schemeClr>
+              </a:solidFill>
+              <a:latin typeface="Arial" panose="020B0604020202020204" pitchFamily="34" charset="0"/>
+              <a:cs typeface="Arial" panose="020B0604020202020204" pitchFamily="34" charset="0"/>
+            </a:endParaRPr>
           </a:p>
         </p:txBody>
       </p:sp>
@@ -4656,7 +5539,7 @@
         </p:nvSpPr>
         <p:spPr>
           <a:xfrm>
-            <a:off x="918321" y="1323976"/>
+            <a:off x="918321" y="1611478"/>
             <a:ext cx="4612901" cy="4152899"/>
           </a:xfrm>
         </p:spPr>
@@ -4700,43 +5583,7 @@
                   <a:schemeClr val="bg1"/>
                 </a:solidFill>
               </a:rPr>
-              <a:t># פיתוח המבוסס על תכנות מונחה עצמים</a:t>
-            </a:r>
-            <a:br>
-              <a:rPr lang="en-US" sz="2000" dirty="0">
-                <a:solidFill>
-                  <a:schemeClr val="bg1"/>
-                </a:solidFill>
-              </a:rPr>
-            </a:br>
-            <a:r>
-              <a:rPr lang="he-IL" sz="2000" dirty="0">
-                <a:solidFill>
-                  <a:schemeClr val="bg1"/>
-                </a:solidFill>
-              </a:rPr>
-              <a:t> </a:t>
-            </a:r>
-          </a:p>
-          <a:p>
-            <a:pPr marL="0" indent="0">
-              <a:buNone/>
-            </a:pPr>
-            <a:r>
-              <a:rPr lang="he-IL" sz="2000" dirty="0">
-                <a:solidFill>
-                  <a:schemeClr val="bg1"/>
-                </a:solidFill>
-              </a:rPr>
-              <a:t># פיתוח בשפת </a:t>
-            </a:r>
-            <a:r>
-              <a:rPr lang="en-US" sz="2000" dirty="0">
-                <a:solidFill>
-                  <a:schemeClr val="bg1"/>
-                </a:solidFill>
-              </a:rPr>
-              <a:t>JAVA</a:t>
+              <a:t># ניהול מרוכז של הזמנות</a:t>
             </a:r>
             <a:br>
               <a:rPr lang="en-US" sz="2000" dirty="0">
@@ -4761,15 +5608,61 @@
                   <a:schemeClr val="bg1"/>
                 </a:solidFill>
               </a:rPr>
-              <a:t># ניהול מרוכז של הזמנות</a:t>
-            </a:r>
-            <a:br>
+              <a:t># ניהול כוח האדם במסעדה</a:t>
+            </a:r>
+            <a:endParaRPr lang="en-US" sz="2000" dirty="0">
+              <a:solidFill>
+                <a:schemeClr val="bg1"/>
+              </a:solidFill>
+            </a:endParaRPr>
+          </a:p>
+          <a:p>
+            <a:pPr marL="0" indent="0">
+              <a:buNone/>
+            </a:pPr>
+            <a:endParaRPr lang="en-US" sz="2000" dirty="0">
+              <a:solidFill>
+                <a:schemeClr val="bg1"/>
+              </a:solidFill>
+            </a:endParaRPr>
+          </a:p>
+          <a:p>
+            <a:pPr marL="0" indent="0">
+              <a:buNone/>
+            </a:pPr>
+            <a:r>
               <a:rPr lang="en-US" sz="2000" dirty="0">
                 <a:solidFill>
                   <a:schemeClr val="bg1"/>
                 </a:solidFill>
               </a:rPr>
-            </a:br>
+              <a:t>#</a:t>
+            </a:r>
+            <a:r>
+              <a:rPr lang="he-IL" sz="2000" dirty="0">
+                <a:solidFill>
+                  <a:schemeClr val="bg1"/>
+                </a:solidFill>
+              </a:rPr>
+              <a:t> </a:t>
+            </a:r>
+            <a:r>
+              <a:rPr lang="en-US" sz="2000" dirty="0">
+                <a:solidFill>
+                  <a:schemeClr val="bg1"/>
+                </a:solidFill>
+                <a:hlinkClick r:id="rId2"/>
+              </a:rPr>
+              <a:t>GIT</a:t>
+            </a:r>
+            <a:r>
+              <a:rPr lang="en-US" sz="2000" dirty="0">
+                <a:solidFill>
+                  <a:schemeClr val="bg1"/>
+                </a:solidFill>
+              </a:rPr>
+              <a:t> </a:t>
+            </a:r>
             <a:endParaRPr lang="he-IL" sz="2000" dirty="0">
               <a:solidFill>
                 <a:schemeClr val="bg1"/>
@@ -4780,13 +5673,39 @@
             <a:pPr marL="0" indent="0">
               <a:buNone/>
             </a:pPr>
+            <a:endParaRPr lang="he-IL" sz="2000" dirty="0">
+              <a:solidFill>
+                <a:schemeClr val="bg1"/>
+              </a:solidFill>
+            </a:endParaRPr>
+          </a:p>
+          <a:p>
+            <a:pPr marL="0" indent="0">
+              <a:buNone/>
+            </a:pPr>
             <a:r>
               <a:rPr lang="he-IL" sz="2000" dirty="0">
                 <a:solidFill>
                   <a:schemeClr val="bg1"/>
                 </a:solidFill>
               </a:rPr>
-              <a:t># ניהול כוח האדם במסעדה</a:t>
+              <a:t>#</a:t>
+            </a:r>
+            <a:r>
+              <a:rPr lang="en-US" sz="2000" dirty="0">
+                <a:solidFill>
+                  <a:schemeClr val="bg1"/>
+                </a:solidFill>
+              </a:rPr>
+              <a:t> </a:t>
+            </a:r>
+            <a:r>
+              <a:rPr lang="he-IL" sz="2000" dirty="0">
+                <a:solidFill>
+                  <a:schemeClr val="bg1"/>
+                </a:solidFill>
+              </a:rPr>
+              <a:t> ניהול זיכרון יעיל</a:t>
             </a:r>
           </a:p>
           <a:p>
@@ -4880,6 +5799,14 @@
 <file path=ppt/slides/slide4.xml><?xml version="1.0" encoding="utf-8"?>
 <p:sld xmlns:a="http://schemas.openxmlformats.org/drawingml/2006/main" xmlns:r="http://schemas.openxmlformats.org/officeDocument/2006/relationships" xmlns:p="http://schemas.openxmlformats.org/presentationml/2006/main">
   <p:cSld>
+    <p:bg>
+      <p:bgPr>
+        <a:solidFill>
+          <a:schemeClr val="tx1"/>
+        </a:solidFill>
+        <a:effectLst/>
+      </p:bgPr>
+    </p:bg>
     <p:spTree>
       <p:nvGrpSpPr>
         <p:cNvPr id="1" name=""/>
@@ -4896,19 +5823,17 @@
       </p:grpSpPr>
       <p:pic>
         <p:nvPicPr>
-          <p:cNvPr id="4" name="מציין מיקום תוכן 3">
-            <a:extLst>
-              <a:ext uri="{FF2B5EF4-FFF2-40B4-BE49-F238E27FC236}">
-                <a16:creationId xmlns:a16="http://schemas.microsoft.com/office/drawing/2014/main" id="{74792AA9-6F95-44D9-9854-4800E0F4F5BA}"/>
+          <p:cNvPr id="12" name="תמונה 11">
+            <a:extLst>
+              <a:ext uri="{FF2B5EF4-FFF2-40B4-BE49-F238E27FC236}">
+                <a16:creationId xmlns:a16="http://schemas.microsoft.com/office/drawing/2014/main" id="{8CD3A21B-ECE5-471A-8DE5-45A48BE9755B}"/>
               </a:ext>
             </a:extLst>
           </p:cNvPr>
           <p:cNvPicPr>
-            <a:picLocks noGrp="1" noChangeAspect="1"/>
+            <a:picLocks noChangeAspect="1"/>
           </p:cNvPicPr>
-          <p:nvPr>
-            <p:ph idx="1"/>
-          </p:nvPr>
+          <p:nvPr/>
         </p:nvPicPr>
         <p:blipFill>
           <a:blip r:embed="rId2"/>
@@ -4918,18 +5843,254 @@
         </p:blipFill>
         <p:spPr>
           <a:xfrm>
-            <a:off x="1641859" y="142532"/>
-            <a:ext cx="8908282" cy="6572936"/>
+            <a:off x="1973374" y="0"/>
+            <a:ext cx="8245251" cy="6858000"/>
+          </a:xfrm>
+          <a:prstGeom prst="rect">
+            <a:avLst/>
+          </a:prstGeom>
+          <a:ln w="31750">
+            <a:solidFill>
+              <a:schemeClr val="accent2"/>
+            </a:solidFill>
+          </a:ln>
+        </p:spPr>
+      </p:pic>
+      <p:cxnSp>
+        <p:nvCxnSpPr>
+          <p:cNvPr id="15" name="מחבר ישר 14">
+            <a:extLst>
+              <a:ext uri="{FF2B5EF4-FFF2-40B4-BE49-F238E27FC236}">
+                <a16:creationId xmlns:a16="http://schemas.microsoft.com/office/drawing/2014/main" id="{4DC2D3D9-10C1-478F-A51C-097BC3B832AF}"/>
+              </a:ext>
+            </a:extLst>
+          </p:cNvPr>
+          <p:cNvCxnSpPr/>
+          <p:nvPr/>
+        </p:nvCxnSpPr>
+        <p:spPr>
+          <a:xfrm flipH="1">
+            <a:off x="10447604" y="373417"/>
+            <a:ext cx="1533525" cy="0"/>
+          </a:xfrm>
+          <a:prstGeom prst="line">
+            <a:avLst/>
+          </a:prstGeom>
+          <a:ln w="76200">
+            <a:solidFill>
+              <a:schemeClr val="accent2"/>
+            </a:solidFill>
+          </a:ln>
+        </p:spPr>
+        <p:style>
+          <a:lnRef idx="1">
+            <a:schemeClr val="accent2"/>
+          </a:lnRef>
+          <a:fillRef idx="0">
+            <a:schemeClr val="accent2"/>
+          </a:fillRef>
+          <a:effectRef idx="0">
+            <a:schemeClr val="accent2"/>
+          </a:effectRef>
+          <a:fontRef idx="minor">
+            <a:schemeClr val="tx1"/>
+          </a:fontRef>
+        </p:style>
+      </p:cxnSp>
+      <p:cxnSp>
+        <p:nvCxnSpPr>
+          <p:cNvPr id="16" name="מחבר ישר 15">
+            <a:extLst>
+              <a:ext uri="{FF2B5EF4-FFF2-40B4-BE49-F238E27FC236}">
+                <a16:creationId xmlns:a16="http://schemas.microsoft.com/office/drawing/2014/main" id="{BC3F88B2-7A1E-4595-8E56-497EE9763282}"/>
+              </a:ext>
+            </a:extLst>
+          </p:cNvPr>
+          <p:cNvCxnSpPr/>
+          <p:nvPr/>
+        </p:nvCxnSpPr>
+        <p:spPr>
+          <a:xfrm flipH="1">
+            <a:off x="10447604" y="650104"/>
+            <a:ext cx="1533525" cy="0"/>
+          </a:xfrm>
+          <a:prstGeom prst="line">
+            <a:avLst/>
+          </a:prstGeom>
+          <a:ln w="76200">
+            <a:solidFill>
+              <a:schemeClr val="accent2"/>
+            </a:solidFill>
+          </a:ln>
+        </p:spPr>
+        <p:style>
+          <a:lnRef idx="1">
+            <a:schemeClr val="accent2"/>
+          </a:lnRef>
+          <a:fillRef idx="0">
+            <a:schemeClr val="accent2"/>
+          </a:fillRef>
+          <a:effectRef idx="0">
+            <a:schemeClr val="accent2"/>
+          </a:effectRef>
+          <a:fontRef idx="minor">
+            <a:schemeClr val="tx1"/>
+          </a:fontRef>
+        </p:style>
+      </p:cxnSp>
+      <p:cxnSp>
+        <p:nvCxnSpPr>
+          <p:cNvPr id="17" name="מחבר ישר 16">
+            <a:extLst>
+              <a:ext uri="{FF2B5EF4-FFF2-40B4-BE49-F238E27FC236}">
+                <a16:creationId xmlns:a16="http://schemas.microsoft.com/office/drawing/2014/main" id="{63BF08C2-84A1-4DE8-81AB-97959711F96F}"/>
+              </a:ext>
+            </a:extLst>
+          </p:cNvPr>
+          <p:cNvCxnSpPr/>
+          <p:nvPr/>
+        </p:nvCxnSpPr>
+        <p:spPr>
+          <a:xfrm flipH="1">
+            <a:off x="177620" y="6217883"/>
+            <a:ext cx="1533525" cy="0"/>
+          </a:xfrm>
+          <a:prstGeom prst="line">
+            <a:avLst/>
+          </a:prstGeom>
+          <a:ln w="76200">
+            <a:solidFill>
+              <a:schemeClr val="accent2"/>
+            </a:solidFill>
+          </a:ln>
+        </p:spPr>
+        <p:style>
+          <a:lnRef idx="1">
+            <a:schemeClr val="accent2"/>
+          </a:lnRef>
+          <a:fillRef idx="0">
+            <a:schemeClr val="accent2"/>
+          </a:fillRef>
+          <a:effectRef idx="0">
+            <a:schemeClr val="accent2"/>
+          </a:effectRef>
+          <a:fontRef idx="minor">
+            <a:schemeClr val="tx1"/>
+          </a:fontRef>
+        </p:style>
+      </p:cxnSp>
+      <p:cxnSp>
+        <p:nvCxnSpPr>
+          <p:cNvPr id="18" name="מחבר ישר 17">
+            <a:extLst>
+              <a:ext uri="{FF2B5EF4-FFF2-40B4-BE49-F238E27FC236}">
+                <a16:creationId xmlns:a16="http://schemas.microsoft.com/office/drawing/2014/main" id="{F61C1717-0911-42EA-8984-9A7ED960B331}"/>
+              </a:ext>
+            </a:extLst>
+          </p:cNvPr>
+          <p:cNvCxnSpPr/>
+          <p:nvPr/>
+        </p:nvCxnSpPr>
+        <p:spPr>
+          <a:xfrm flipH="1">
+            <a:off x="177620" y="6555234"/>
+            <a:ext cx="1533525" cy="0"/>
+          </a:xfrm>
+          <a:prstGeom prst="line">
+            <a:avLst/>
+          </a:prstGeom>
+          <a:ln w="76200">
+            <a:solidFill>
+              <a:schemeClr val="accent2"/>
+            </a:solidFill>
+          </a:ln>
+        </p:spPr>
+        <p:style>
+          <a:lnRef idx="1">
+            <a:schemeClr val="accent2"/>
+          </a:lnRef>
+          <a:fillRef idx="0">
+            <a:schemeClr val="accent2"/>
+          </a:fillRef>
+          <a:effectRef idx="0">
+            <a:schemeClr val="accent2"/>
+          </a:effectRef>
+          <a:fontRef idx="minor">
+            <a:schemeClr val="tx1"/>
+          </a:fontRef>
+        </p:style>
+      </p:cxnSp>
+      <p:sp>
+        <p:nvSpPr>
+          <p:cNvPr id="19" name="כותרת 1">
+            <a:extLst>
+              <a:ext uri="{FF2B5EF4-FFF2-40B4-BE49-F238E27FC236}">
+                <a16:creationId xmlns:a16="http://schemas.microsoft.com/office/drawing/2014/main" id="{9C549106-28EA-418F-8F2E-42CE0E716DC2}"/>
+              </a:ext>
+            </a:extLst>
+          </p:cNvPr>
+          <p:cNvSpPr txBox="1">
+            <a:spLocks/>
+          </p:cNvSpPr>
+          <p:nvPr/>
+        </p:nvSpPr>
+        <p:spPr>
+          <a:xfrm>
+            <a:off x="10561601" y="650110"/>
+            <a:ext cx="1533525" cy="905506"/>
           </a:xfrm>
           <a:prstGeom prst="rect">
             <a:avLst/>
           </a:prstGeom>
         </p:spPr>
-      </p:pic>
+        <p:txBody>
+          <a:bodyPr vert="horz" lIns="91440" tIns="45720" rIns="91440" bIns="45720" rtlCol="1" anchor="b">
+            <a:normAutofit/>
+          </a:bodyPr>
+          <a:lstStyle>
+            <a:lvl1pPr algn="r" defTabSz="914400" rtl="1" eaLnBrk="1" latinLnBrk="0" hangingPunct="1">
+              <a:lnSpc>
+                <a:spcPct val="90000"/>
+              </a:lnSpc>
+              <a:spcBef>
+                <a:spcPct val="0"/>
+              </a:spcBef>
+              <a:buNone/>
+              <a:defRPr sz="4400" kern="1200">
+                <a:solidFill>
+                  <a:schemeClr val="tx1"/>
+                </a:solidFill>
+                <a:latin typeface="+mj-lt"/>
+                <a:ea typeface="+mj-ea"/>
+                <a:cs typeface="+mj-cs"/>
+              </a:defRPr>
+            </a:lvl1pPr>
+          </a:lstStyle>
+          <a:p>
+            <a:pPr algn="l"/>
+            <a:r>
+              <a:rPr lang="en-US" sz="4800" dirty="0">
+                <a:solidFill>
+                  <a:schemeClr val="accent2">
+                    <a:lumMod val="75000"/>
+                  </a:schemeClr>
+                </a:solidFill>
+                <a:latin typeface="Arial" panose="020B0604020202020204" pitchFamily="34" charset="0"/>
+                <a:cs typeface="Arial" panose="020B0604020202020204" pitchFamily="34" charset="0"/>
+              </a:rPr>
+              <a:t>UML</a:t>
+            </a:r>
+            <a:endParaRPr lang="en-US" sz="4800" dirty="0">
+              <a:latin typeface="Arial" panose="020B0604020202020204" pitchFamily="34" charset="0"/>
+              <a:cs typeface="Arial" panose="020B0604020202020204" pitchFamily="34" charset="0"/>
+            </a:endParaRPr>
+          </a:p>
+        </p:txBody>
+      </p:sp>
     </p:spTree>
     <p:extLst>
       <p:ext uri="{BB962C8B-B14F-4D97-AF65-F5344CB8AC3E}">
-        <p14:creationId xmlns:p14="http://schemas.microsoft.com/office/powerpoint/2010/main" val="1911618300"/>
+        <p14:creationId xmlns:p14="http://schemas.microsoft.com/office/powerpoint/2010/main" val="3946283160"/>
       </p:ext>
     </p:extLst>
   </p:cSld>
@@ -4942,6 +6103,14 @@
 <file path=ppt/slides/slide5.xml><?xml version="1.0" encoding="utf-8"?>
 <p:sld xmlns:a="http://schemas.openxmlformats.org/drawingml/2006/main" xmlns:r="http://schemas.openxmlformats.org/officeDocument/2006/relationships" xmlns:p="http://schemas.openxmlformats.org/presentationml/2006/main">
   <p:cSld>
+    <p:bg>
+      <p:bgPr>
+        <a:solidFill>
+          <a:schemeClr val="tx1"/>
+        </a:solidFill>
+        <a:effectLst/>
+      </p:bgPr>
+    </p:bg>
     <p:spTree>
       <p:nvGrpSpPr>
         <p:cNvPr id="1" name=""/>
@@ -4956,86 +6125,364 @@
           <a:chExt cx="0" cy="0"/>
         </a:xfrm>
       </p:grpSpPr>
-      <p:sp>
-        <p:nvSpPr>
-          <p:cNvPr id="2" name="כותרת 1">
-            <a:extLst>
-              <a:ext uri="{FF2B5EF4-FFF2-40B4-BE49-F238E27FC236}">
-                <a16:creationId xmlns:a16="http://schemas.microsoft.com/office/drawing/2014/main" id="{8F7FCC13-268C-4630-80D0-851BCFFD6E6A}"/>
-              </a:ext>
-            </a:extLst>
-          </p:cNvPr>
-          <p:cNvSpPr>
-            <a:spLocks noGrp="1"/>
-          </p:cNvSpPr>
-          <p:nvPr>
-            <p:ph type="title"/>
-          </p:nvPr>
-        </p:nvSpPr>
-        <p:spPr/>
-        <p:txBody>
-          <a:bodyPr/>
-          <a:lstStyle/>
-          <a:p>
-            <a:r>
-              <a:rPr lang="he-IL" dirty="0"/>
-              <a:t>תרחיש 1: ניהול הזמנות</a:t>
-            </a:r>
-            <a:endParaRPr lang="en-US" dirty="0"/>
-          </a:p>
-        </p:txBody>
-      </p:sp>
-      <p:sp>
-        <p:nvSpPr>
-          <p:cNvPr id="3" name="מציין מיקום תוכן 2">
-            <a:extLst>
-              <a:ext uri="{FF2B5EF4-FFF2-40B4-BE49-F238E27FC236}">
-                <a16:creationId xmlns:a16="http://schemas.microsoft.com/office/drawing/2014/main" id="{91C6D054-A3ED-4A04-A28B-04554FE7193D}"/>
-              </a:ext>
-            </a:extLst>
-          </p:cNvPr>
-          <p:cNvSpPr>
-            <a:spLocks noGrp="1"/>
-          </p:cNvSpPr>
-          <p:nvPr>
-            <p:ph idx="1"/>
-          </p:nvPr>
-        </p:nvSpPr>
-        <p:spPr/>
-        <p:txBody>
-          <a:bodyPr/>
-          <a:lstStyle/>
-          <a:p>
-            <a:r>
-              <a:rPr lang="he-IL" dirty="0"/>
-              <a:t>סה"כ הזמנות במסעדה יומי</a:t>
-            </a:r>
-          </a:p>
-          <a:p>
-            <a:r>
-              <a:rPr lang="he-IL" dirty="0"/>
-              <a:t>סה"כ הזמנות במסעדה תקופתי</a:t>
-            </a:r>
-          </a:p>
-          <a:p>
-            <a:r>
-              <a:rPr lang="he-IL" dirty="0"/>
-              <a:t>מנה הכי נמכרת</a:t>
-            </a:r>
-          </a:p>
-          <a:p>
-            <a:r>
-              <a:rPr lang="he-IL" dirty="0"/>
-              <a:t>ממוצע פריטים בהזמנה</a:t>
-            </a:r>
-            <a:endParaRPr lang="en-US" dirty="0"/>
+      <p:pic>
+        <p:nvPicPr>
+          <p:cNvPr id="15" name="תמונה 14">
+            <a:extLst>
+              <a:ext uri="{FF2B5EF4-FFF2-40B4-BE49-F238E27FC236}">
+                <a16:creationId xmlns:a16="http://schemas.microsoft.com/office/drawing/2014/main" id="{D3A7B66C-A7F1-49B0-8FD9-72BDA9910DF5}"/>
+              </a:ext>
+            </a:extLst>
+          </p:cNvPr>
+          <p:cNvPicPr>
+            <a:picLocks noChangeAspect="1"/>
+          </p:cNvPicPr>
+          <p:nvPr/>
+        </p:nvPicPr>
+        <p:blipFill>
+          <a:blip r:embed="rId2"/>
+          <a:stretch>
+            <a:fillRect/>
+          </a:stretch>
+        </p:blipFill>
+        <p:spPr>
+          <a:xfrm>
+            <a:off x="162213" y="207205"/>
+            <a:ext cx="3771612" cy="2349614"/>
+          </a:xfrm>
+          <a:prstGeom prst="rect">
+            <a:avLst/>
+          </a:prstGeom>
+          <a:ln>
+            <a:solidFill>
+              <a:schemeClr val="accent2"/>
+            </a:solidFill>
+          </a:ln>
+        </p:spPr>
+      </p:pic>
+      <p:pic>
+        <p:nvPicPr>
+          <p:cNvPr id="17" name="תמונה 16">
+            <a:extLst>
+              <a:ext uri="{FF2B5EF4-FFF2-40B4-BE49-F238E27FC236}">
+                <a16:creationId xmlns:a16="http://schemas.microsoft.com/office/drawing/2014/main" id="{6EB9988E-7651-4BE9-8FE2-FA6AF71163AF}"/>
+              </a:ext>
+            </a:extLst>
+          </p:cNvPr>
+          <p:cNvPicPr>
+            <a:picLocks noChangeAspect="1"/>
+          </p:cNvPicPr>
+          <p:nvPr/>
+        </p:nvPicPr>
+        <p:blipFill>
+          <a:blip r:embed="rId3"/>
+          <a:stretch>
+            <a:fillRect/>
+          </a:stretch>
+        </p:blipFill>
+        <p:spPr>
+          <a:xfrm>
+            <a:off x="162213" y="4244484"/>
+            <a:ext cx="3771612" cy="2438552"/>
+          </a:xfrm>
+          <a:prstGeom prst="rect">
+            <a:avLst/>
+          </a:prstGeom>
+          <a:ln>
+            <a:solidFill>
+              <a:schemeClr val="accent2"/>
+            </a:solidFill>
+          </a:ln>
+        </p:spPr>
+      </p:pic>
+      <p:pic>
+        <p:nvPicPr>
+          <p:cNvPr id="24" name="תמונה 23">
+            <a:extLst>
+              <a:ext uri="{FF2B5EF4-FFF2-40B4-BE49-F238E27FC236}">
+                <a16:creationId xmlns:a16="http://schemas.microsoft.com/office/drawing/2014/main" id="{55C0B45F-06D8-4A56-8172-001CDD29E320}"/>
+              </a:ext>
+            </a:extLst>
+          </p:cNvPr>
+          <p:cNvPicPr>
+            <a:picLocks noChangeAspect="1"/>
+          </p:cNvPicPr>
+          <p:nvPr/>
+        </p:nvPicPr>
+        <p:blipFill>
+          <a:blip r:embed="rId4"/>
+          <a:stretch>
+            <a:fillRect/>
+          </a:stretch>
+        </p:blipFill>
+        <p:spPr>
+          <a:xfrm>
+            <a:off x="162212" y="2894568"/>
+            <a:ext cx="3771611" cy="963057"/>
+          </a:xfrm>
+          <a:prstGeom prst="rect">
+            <a:avLst/>
+          </a:prstGeom>
+          <a:ln>
+            <a:solidFill>
+              <a:schemeClr val="accent2"/>
+            </a:solidFill>
+          </a:ln>
+        </p:spPr>
+      </p:pic>
+      <p:sp>
+        <p:nvSpPr>
+          <p:cNvPr id="32" name="כותרת 1">
+            <a:extLst>
+              <a:ext uri="{FF2B5EF4-FFF2-40B4-BE49-F238E27FC236}">
+                <a16:creationId xmlns:a16="http://schemas.microsoft.com/office/drawing/2014/main" id="{8FD84560-75B6-41B4-AFDD-B0CF83F316C8}"/>
+              </a:ext>
+            </a:extLst>
+          </p:cNvPr>
+          <p:cNvSpPr txBox="1">
+            <a:spLocks/>
+          </p:cNvSpPr>
+          <p:nvPr/>
+        </p:nvSpPr>
+        <p:spPr>
+          <a:xfrm>
+            <a:off x="5010240" y="174964"/>
+            <a:ext cx="6701616" cy="861135"/>
+          </a:xfrm>
+          <a:prstGeom prst="rect">
+            <a:avLst/>
+          </a:prstGeom>
+        </p:spPr>
+        <p:txBody>
+          <a:bodyPr vert="horz" lIns="91440" tIns="45720" rIns="91440" bIns="45720" rtlCol="1" anchor="b">
+            <a:normAutofit/>
+          </a:bodyPr>
+          <a:lstStyle>
+            <a:lvl1pPr algn="r" defTabSz="914400" rtl="1" eaLnBrk="1" latinLnBrk="0" hangingPunct="1">
+              <a:lnSpc>
+                <a:spcPct val="90000"/>
+              </a:lnSpc>
+              <a:spcBef>
+                <a:spcPct val="0"/>
+              </a:spcBef>
+              <a:buNone/>
+              <a:defRPr sz="4400" kern="1200">
+                <a:solidFill>
+                  <a:schemeClr val="tx1"/>
+                </a:solidFill>
+                <a:latin typeface="+mj-lt"/>
+                <a:ea typeface="+mj-ea"/>
+                <a:cs typeface="+mj-cs"/>
+              </a:defRPr>
+            </a:lvl1pPr>
+          </a:lstStyle>
+          <a:p>
+            <a:pPr algn="l"/>
+            <a:r>
+              <a:rPr lang="he-IL" sz="4800" dirty="0">
+                <a:solidFill>
+                  <a:schemeClr val="accent2"/>
+                </a:solidFill>
+                <a:cs typeface="+mn-cs"/>
+              </a:rPr>
+              <a:t>:</a:t>
+            </a:r>
+            <a:r>
+              <a:rPr lang="en-US" sz="4800" dirty="0">
+                <a:solidFill>
+                  <a:schemeClr val="accent2"/>
+                </a:solidFill>
+                <a:cs typeface="+mn-cs"/>
+              </a:rPr>
+              <a:t>Orders Management</a:t>
+            </a:r>
+          </a:p>
+        </p:txBody>
+      </p:sp>
+      <p:sp>
+        <p:nvSpPr>
+          <p:cNvPr id="8" name="כותרת 1">
+            <a:extLst>
+              <a:ext uri="{FF2B5EF4-FFF2-40B4-BE49-F238E27FC236}">
+                <a16:creationId xmlns:a16="http://schemas.microsoft.com/office/drawing/2014/main" id="{B2C29507-21F1-4693-B5A3-5CA742330764}"/>
+              </a:ext>
+            </a:extLst>
+          </p:cNvPr>
+          <p:cNvSpPr txBox="1">
+            <a:spLocks/>
+          </p:cNvSpPr>
+          <p:nvPr/>
+        </p:nvSpPr>
+        <p:spPr>
+          <a:xfrm>
+            <a:off x="4058110" y="1199281"/>
+            <a:ext cx="7653746" cy="5658719"/>
+          </a:xfrm>
+          <a:prstGeom prst="rect">
+            <a:avLst/>
+          </a:prstGeom>
+        </p:spPr>
+        <p:txBody>
+          <a:bodyPr vert="horz" lIns="91440" tIns="45720" rIns="91440" bIns="45720" rtlCol="1" anchor="t">
+            <a:noAutofit/>
+          </a:bodyPr>
+          <a:lstStyle>
+            <a:lvl1pPr algn="r" defTabSz="914400" rtl="1" eaLnBrk="1" latinLnBrk="0" hangingPunct="1">
+              <a:lnSpc>
+                <a:spcPct val="90000"/>
+              </a:lnSpc>
+              <a:spcBef>
+                <a:spcPct val="0"/>
+              </a:spcBef>
+              <a:buNone/>
+              <a:defRPr sz="4400" kern="1200">
+                <a:solidFill>
+                  <a:schemeClr val="tx1"/>
+                </a:solidFill>
+                <a:latin typeface="+mj-lt"/>
+                <a:ea typeface="+mj-ea"/>
+                <a:cs typeface="+mj-cs"/>
+              </a:defRPr>
+            </a:lvl1pPr>
+          </a:lstStyle>
+          <a:p>
+            <a:pPr>
+              <a:lnSpc>
+                <a:spcPct val="150000"/>
+              </a:lnSpc>
+            </a:pPr>
+            <a:r>
+              <a:rPr lang="he-IL" sz="1800" dirty="0">
+                <a:solidFill>
+                  <a:schemeClr val="bg1"/>
+                </a:solidFill>
+                <a:cs typeface="+mn-cs"/>
+              </a:rPr>
+              <a:t>בתאריך ה-01.01.2021  נכנסו שלושה לקוחות למסעדת אייל ויחיאל בבאר שבע.</a:t>
+            </a:r>
+          </a:p>
+          <a:p>
+            <a:pPr>
+              <a:lnSpc>
+                <a:spcPct val="150000"/>
+              </a:lnSpc>
+            </a:pPr>
+            <a:endParaRPr lang="he-IL" sz="1800" dirty="0">
+              <a:solidFill>
+                <a:schemeClr val="bg1"/>
+              </a:solidFill>
+              <a:cs typeface="+mn-cs"/>
+            </a:endParaRPr>
+          </a:p>
+          <a:p>
+            <a:pPr>
+              <a:lnSpc>
+                <a:spcPct val="150000"/>
+              </a:lnSpc>
+            </a:pPr>
+            <a:r>
+              <a:rPr lang="he-IL" sz="1800" dirty="0">
+                <a:solidFill>
+                  <a:schemeClr val="bg1"/>
+                </a:solidFill>
+                <a:cs typeface="+mn-cs"/>
+              </a:rPr>
+              <a:t>לאחר שהתיישבו, ביקשו הלקוחות לראות את התפריט שמציעה המסעדה.</a:t>
+            </a:r>
+          </a:p>
+          <a:p>
+            <a:pPr>
+              <a:lnSpc>
+                <a:spcPct val="150000"/>
+              </a:lnSpc>
+            </a:pPr>
+            <a:endParaRPr lang="he-IL" sz="1800" dirty="0">
+              <a:solidFill>
+                <a:schemeClr val="bg1"/>
+              </a:solidFill>
+              <a:cs typeface="+mn-cs"/>
+            </a:endParaRPr>
+          </a:p>
+          <a:p>
+            <a:pPr>
+              <a:lnSpc>
+                <a:spcPct val="150000"/>
+              </a:lnSpc>
+            </a:pPr>
+            <a:r>
+              <a:rPr lang="he-IL" sz="1800" dirty="0">
+                <a:solidFill>
+                  <a:schemeClr val="bg1"/>
+                </a:solidFill>
+                <a:cs typeface="+mn-cs"/>
+              </a:rPr>
+              <a:t>כל לקוח בחר את המנות המועדפות עליו מהתפריט בתורו והמלצרית הזינה אותם במערכת. </a:t>
+            </a:r>
+          </a:p>
+          <a:p>
+            <a:pPr>
+              <a:lnSpc>
+                <a:spcPct val="150000"/>
+              </a:lnSpc>
+            </a:pPr>
+            <a:endParaRPr lang="he-IL" sz="1800" dirty="0">
+              <a:solidFill>
+                <a:schemeClr val="bg1"/>
+              </a:solidFill>
+              <a:cs typeface="+mn-cs"/>
+            </a:endParaRPr>
+          </a:p>
+          <a:p>
+            <a:pPr>
+              <a:lnSpc>
+                <a:spcPct val="150000"/>
+              </a:lnSpc>
+            </a:pPr>
+            <a:r>
+              <a:rPr lang="he-IL" sz="1800" dirty="0">
+                <a:solidFill>
+                  <a:schemeClr val="bg1"/>
+                </a:solidFill>
+                <a:cs typeface="+mn-cs"/>
+              </a:rPr>
+              <a:t>ע"פ דרישת בעלי המסעדה, המערכת מתעדת את תאריך ההזמנה, שעה, מספר הזמנה, פרטי לקוח, המנות שהזמין ואת הסכום הכולל של ההזמנה.</a:t>
+            </a:r>
+          </a:p>
+          <a:p>
+            <a:pPr>
+              <a:lnSpc>
+                <a:spcPct val="150000"/>
+              </a:lnSpc>
+            </a:pPr>
+            <a:endParaRPr lang="he-IL" sz="1800" dirty="0">
+              <a:solidFill>
+                <a:schemeClr val="bg1"/>
+              </a:solidFill>
+              <a:cs typeface="+mn-cs"/>
+            </a:endParaRPr>
+          </a:p>
+          <a:p>
+            <a:pPr>
+              <a:lnSpc>
+                <a:spcPct val="150000"/>
+              </a:lnSpc>
+            </a:pPr>
+            <a:r>
+              <a:rPr lang="he-IL" sz="1800" dirty="0">
+                <a:solidFill>
+                  <a:schemeClr val="bg1"/>
+                </a:solidFill>
+                <a:cs typeface="+mn-cs"/>
+              </a:rPr>
+              <a:t>כמו כן, מנהל המסעדה דורש לראות בסוף כל יום עבודה את סכום ההזמנות הכולל שהיה באותו יום ומידי פעם הוא דורש את הסכום שהיה בתאריך מסויים.</a:t>
+            </a:r>
           </a:p>
         </p:txBody>
       </p:sp>
     </p:spTree>
     <p:extLst>
       <p:ext uri="{BB962C8B-B14F-4D97-AF65-F5344CB8AC3E}">
-        <p14:creationId xmlns:p14="http://schemas.microsoft.com/office/powerpoint/2010/main" val="3946283160"/>
+        <p14:creationId xmlns:p14="http://schemas.microsoft.com/office/powerpoint/2010/main" val="3921134098"/>
       </p:ext>
     </p:extLst>
   </p:cSld>
@@ -5048,6 +6495,14 @@
 <file path=ppt/slides/slide6.xml><?xml version="1.0" encoding="utf-8"?>
 <p:sld xmlns:a="http://schemas.openxmlformats.org/drawingml/2006/main" xmlns:r="http://schemas.openxmlformats.org/officeDocument/2006/relationships" xmlns:p="http://schemas.openxmlformats.org/presentationml/2006/main">
   <p:cSld>
+    <p:bg>
+      <p:bgPr>
+        <a:solidFill>
+          <a:schemeClr val="tx1"/>
+        </a:solidFill>
+        <a:effectLst/>
+      </p:bgPr>
+    </p:bg>
     <p:spTree>
       <p:nvGrpSpPr>
         <p:cNvPr id="1" name=""/>
@@ -5064,94 +6519,805 @@
       </p:grpSpPr>
       <p:sp>
         <p:nvSpPr>
-          <p:cNvPr id="2" name="כותרת 1">
-            <a:extLst>
-              <a:ext uri="{FF2B5EF4-FFF2-40B4-BE49-F238E27FC236}">
-                <a16:creationId xmlns:a16="http://schemas.microsoft.com/office/drawing/2014/main" id="{8F7FCC13-268C-4630-80D0-851BCFFD6E6A}"/>
-              </a:ext>
-            </a:extLst>
-          </p:cNvPr>
-          <p:cNvSpPr>
-            <a:spLocks noGrp="1"/>
-          </p:cNvSpPr>
-          <p:nvPr>
-            <p:ph type="title"/>
-          </p:nvPr>
-        </p:nvSpPr>
-        <p:spPr/>
-        <p:txBody>
-          <a:bodyPr/>
-          <a:lstStyle/>
-          <a:p>
-            <a:r>
-              <a:rPr lang="he-IL" dirty="0"/>
-              <a:t>תרחיש 2: ניהול עובדים</a:t>
-            </a:r>
-            <a:endParaRPr lang="en-US" dirty="0"/>
-          </a:p>
-        </p:txBody>
-      </p:sp>
-      <p:sp>
-        <p:nvSpPr>
-          <p:cNvPr id="3" name="מציין מיקום תוכן 2">
-            <a:extLst>
-              <a:ext uri="{FF2B5EF4-FFF2-40B4-BE49-F238E27FC236}">
-                <a16:creationId xmlns:a16="http://schemas.microsoft.com/office/drawing/2014/main" id="{91C6D054-A3ED-4A04-A28B-04554FE7193D}"/>
-              </a:ext>
-            </a:extLst>
-          </p:cNvPr>
-          <p:cNvSpPr>
-            <a:spLocks noGrp="1"/>
-          </p:cNvSpPr>
-          <p:nvPr>
-            <p:ph idx="1"/>
-          </p:nvPr>
-        </p:nvSpPr>
-        <p:spPr/>
-        <p:txBody>
-          <a:bodyPr/>
-          <a:lstStyle/>
-          <a:p>
-            <a:r>
-              <a:rPr lang="he-IL" dirty="0"/>
-              <a:t>סה"כ עובדים</a:t>
-            </a:r>
-          </a:p>
-          <a:p>
-            <a:r>
-              <a:rPr lang="he-IL" dirty="0"/>
-              <a:t>כמות עובדים מכל סוג</a:t>
-            </a:r>
-          </a:p>
-          <a:p>
-            <a:r>
-              <a:rPr lang="he-IL" dirty="0"/>
-              <a:t>עובד שמרוויח הכי הרבה</a:t>
-            </a:r>
-          </a:p>
-          <a:p>
-            <a:r>
-              <a:rPr lang="he-IL" dirty="0"/>
-              <a:t>עובד שמרוויח הכי מעט</a:t>
-            </a:r>
-          </a:p>
-          <a:p>
-            <a:r>
-              <a:rPr lang="he-IL" dirty="0"/>
-              <a:t>ממוצע שכר</a:t>
-            </a:r>
-            <a:r>
-              <a:rPr lang="en-US" dirty="0"/>
-              <a:t>  </a:t>
-            </a:r>
-            <a:endParaRPr lang="he-IL" dirty="0"/>
+          <p:cNvPr id="32" name="כותרת 1">
+            <a:extLst>
+              <a:ext uri="{FF2B5EF4-FFF2-40B4-BE49-F238E27FC236}">
+                <a16:creationId xmlns:a16="http://schemas.microsoft.com/office/drawing/2014/main" id="{8FD84560-75B6-41B4-AFDD-B0CF83F316C8}"/>
+              </a:ext>
+            </a:extLst>
+          </p:cNvPr>
+          <p:cNvSpPr txBox="1">
+            <a:spLocks/>
+          </p:cNvSpPr>
+          <p:nvPr/>
+        </p:nvSpPr>
+        <p:spPr>
+          <a:xfrm>
+            <a:off x="3106630" y="486053"/>
+            <a:ext cx="6701616" cy="668045"/>
+          </a:xfrm>
+          <a:prstGeom prst="rect">
+            <a:avLst/>
+          </a:prstGeom>
+        </p:spPr>
+        <p:txBody>
+          <a:bodyPr vert="horz" lIns="91440" tIns="45720" rIns="91440" bIns="45720" rtlCol="1" anchor="b">
+            <a:normAutofit fontScale="92500" lnSpcReduction="10000"/>
+          </a:bodyPr>
+          <a:lstStyle>
+            <a:lvl1pPr algn="r" defTabSz="914400" rtl="1" eaLnBrk="1" latinLnBrk="0" hangingPunct="1">
+              <a:lnSpc>
+                <a:spcPct val="90000"/>
+              </a:lnSpc>
+              <a:spcBef>
+                <a:spcPct val="0"/>
+              </a:spcBef>
+              <a:buNone/>
+              <a:defRPr sz="4400" kern="1200">
+                <a:solidFill>
+                  <a:schemeClr val="tx1"/>
+                </a:solidFill>
+                <a:latin typeface="+mj-lt"/>
+                <a:ea typeface="+mj-ea"/>
+                <a:cs typeface="+mj-cs"/>
+              </a:defRPr>
+            </a:lvl1pPr>
+          </a:lstStyle>
+          <a:p>
+            <a:pPr algn="l"/>
+            <a:r>
+              <a:rPr lang="en-US" sz="4800" dirty="0">
+                <a:solidFill>
+                  <a:schemeClr val="accent2"/>
+                </a:solidFill>
+                <a:latin typeface="Arial" panose="020B0604020202020204" pitchFamily="34" charset="0"/>
+                <a:cs typeface="Arial" panose="020B0604020202020204" pitchFamily="34" charset="0"/>
+              </a:rPr>
+              <a:t>Employees Management:</a:t>
+            </a:r>
+          </a:p>
+        </p:txBody>
+      </p:sp>
+      <p:pic>
+        <p:nvPicPr>
+          <p:cNvPr id="3" name="תמונה 2">
+            <a:extLst>
+              <a:ext uri="{FF2B5EF4-FFF2-40B4-BE49-F238E27FC236}">
+                <a16:creationId xmlns:a16="http://schemas.microsoft.com/office/drawing/2014/main" id="{0AE427D3-7CBA-4683-BE54-E066B19317EA}"/>
+              </a:ext>
+            </a:extLst>
+          </p:cNvPr>
+          <p:cNvPicPr>
+            <a:picLocks noChangeAspect="1"/>
+          </p:cNvPicPr>
+          <p:nvPr/>
+        </p:nvPicPr>
+        <p:blipFill>
+          <a:blip r:embed="rId2"/>
+          <a:stretch>
+            <a:fillRect/>
+          </a:stretch>
+        </p:blipFill>
+        <p:spPr>
+          <a:xfrm>
+            <a:off x="382490" y="1967328"/>
+            <a:ext cx="4760838" cy="3084065"/>
+          </a:xfrm>
+          <a:prstGeom prst="rect">
+            <a:avLst/>
+          </a:prstGeom>
+          <a:ln>
+            <a:solidFill>
+              <a:schemeClr val="accent2"/>
+            </a:solidFill>
+          </a:ln>
+        </p:spPr>
+      </p:pic>
+      <p:sp>
+        <p:nvSpPr>
+          <p:cNvPr id="6" name="כותרת 1">
+            <a:extLst>
+              <a:ext uri="{FF2B5EF4-FFF2-40B4-BE49-F238E27FC236}">
+                <a16:creationId xmlns:a16="http://schemas.microsoft.com/office/drawing/2014/main" id="{EE6E56BB-E221-4262-AF84-4CC0DDAF0D20}"/>
+              </a:ext>
+            </a:extLst>
+          </p:cNvPr>
+          <p:cNvSpPr txBox="1">
+            <a:spLocks/>
+          </p:cNvSpPr>
+          <p:nvPr/>
+        </p:nvSpPr>
+        <p:spPr>
+          <a:xfrm>
+            <a:off x="5362112" y="1882863"/>
+            <a:ext cx="6447398" cy="3514760"/>
+          </a:xfrm>
+          <a:prstGeom prst="rect">
+            <a:avLst/>
+          </a:prstGeom>
+        </p:spPr>
+        <p:txBody>
+          <a:bodyPr vert="horz" lIns="91440" tIns="45720" rIns="91440" bIns="45720" rtlCol="1" anchor="t">
+            <a:noAutofit/>
+          </a:bodyPr>
+          <a:lstStyle>
+            <a:lvl1pPr algn="r" defTabSz="914400" rtl="1" eaLnBrk="1" latinLnBrk="0" hangingPunct="1">
+              <a:lnSpc>
+                <a:spcPct val="90000"/>
+              </a:lnSpc>
+              <a:spcBef>
+                <a:spcPct val="0"/>
+              </a:spcBef>
+              <a:buNone/>
+              <a:defRPr sz="4400" kern="1200">
+                <a:solidFill>
+                  <a:schemeClr val="tx1"/>
+                </a:solidFill>
+                <a:latin typeface="+mj-lt"/>
+                <a:ea typeface="+mj-ea"/>
+                <a:cs typeface="+mj-cs"/>
+              </a:defRPr>
+            </a:lvl1pPr>
+          </a:lstStyle>
+          <a:p>
+            <a:pPr>
+              <a:lnSpc>
+                <a:spcPct val="150000"/>
+              </a:lnSpc>
+            </a:pPr>
+            <a:r>
+              <a:rPr lang="he-IL" sz="1800" dirty="0">
+                <a:solidFill>
+                  <a:schemeClr val="bg1"/>
+                </a:solidFill>
+                <a:cs typeface="+mn-cs"/>
+              </a:rPr>
+              <a:t>במסעדת אייל ויחיאל ישנם 8 עובדים נכון להיום ומספר העובדים המקסימלי שהמסעדה יכולה להעסיק הוא 25</a:t>
+            </a:r>
+            <a:r>
+              <a:rPr lang="en-US" sz="1800" dirty="0">
+                <a:solidFill>
+                  <a:schemeClr val="bg1"/>
+                </a:solidFill>
+                <a:cs typeface="+mn-cs"/>
+              </a:rPr>
+              <a:t> </a:t>
+            </a:r>
+            <a:r>
+              <a:rPr lang="he-IL" sz="1800" dirty="0">
+                <a:solidFill>
+                  <a:schemeClr val="bg1"/>
+                </a:solidFill>
+                <a:cs typeface="+mn-cs"/>
+              </a:rPr>
+              <a:t>עקב גודלה. כלל העובדים רשומים במערכת ניהול העובדים. עבור כל עובד נרשם שכרו השעתי, שמו, תפקידו, כתובתו ומספר הזהות שלו.</a:t>
+            </a:r>
+          </a:p>
+          <a:p>
+            <a:pPr>
+              <a:lnSpc>
+                <a:spcPct val="150000"/>
+              </a:lnSpc>
+            </a:pPr>
+            <a:r>
+              <a:rPr lang="he-IL" sz="1800" dirty="0">
+                <a:solidFill>
+                  <a:schemeClr val="bg1"/>
+                </a:solidFill>
+                <a:cs typeface="+mn-cs"/>
+              </a:rPr>
+              <a:t>מנהל המסעדה יכול בכל רגע נתון לקבל דו"ח המציג את איוש בעלי התפקידים ולקבל את פרטי העובדים שמשתכרים הכי הרבה והכי מעט ואת ממוצע השכר השעתי המשולם לכלל עובדיו.</a:t>
+            </a:r>
+            <a:endParaRPr lang="en-US" sz="1800" dirty="0">
+              <a:solidFill>
+                <a:schemeClr val="bg1"/>
+              </a:solidFill>
+              <a:cs typeface="+mn-cs"/>
+            </a:endParaRPr>
+          </a:p>
+          <a:p>
+            <a:pPr>
+              <a:lnSpc>
+                <a:spcPct val="150000"/>
+              </a:lnSpc>
+            </a:pPr>
+            <a:endParaRPr lang="en-US" sz="1800" dirty="0">
+              <a:solidFill>
+                <a:schemeClr val="bg1"/>
+              </a:solidFill>
+              <a:cs typeface="+mn-cs"/>
+            </a:endParaRPr>
           </a:p>
         </p:txBody>
       </p:sp>
     </p:spTree>
     <p:extLst>
       <p:ext uri="{BB962C8B-B14F-4D97-AF65-F5344CB8AC3E}">
-        <p14:creationId xmlns:p14="http://schemas.microsoft.com/office/powerpoint/2010/main" val="478062861"/>
+        <p14:creationId xmlns:p14="http://schemas.microsoft.com/office/powerpoint/2010/main" val="1306214280"/>
+      </p:ext>
+    </p:extLst>
+  </p:cSld>
+  <p:clrMapOvr>
+    <a:masterClrMapping/>
+  </p:clrMapOvr>
+</p:sld>
+</file>
+
+<file path=ppt/slides/slide7.xml><?xml version="1.0" encoding="utf-8"?>
+<p:sld xmlns:a="http://schemas.openxmlformats.org/drawingml/2006/main" xmlns:r="http://schemas.openxmlformats.org/officeDocument/2006/relationships" xmlns:p="http://schemas.openxmlformats.org/presentationml/2006/main">
+  <p:cSld>
+    <p:bg>
+      <p:bgPr>
+        <a:solidFill>
+          <a:schemeClr val="tx1"/>
+        </a:solidFill>
+        <a:effectLst/>
+      </p:bgPr>
+    </p:bg>
+    <p:spTree>
+      <p:nvGrpSpPr>
+        <p:cNvPr id="1" name=""/>
+        <p:cNvGrpSpPr/>
+        <p:nvPr/>
+      </p:nvGrpSpPr>
+      <p:grpSpPr>
+        <a:xfrm>
+          <a:off x="0" y="0"/>
+          <a:ext cx="0" cy="0"/>
+          <a:chOff x="0" y="0"/>
+          <a:chExt cx="0" cy="0"/>
+        </a:xfrm>
+      </p:grpSpPr>
+      <p:sp>
+        <p:nvSpPr>
+          <p:cNvPr id="32" name="כותרת 1">
+            <a:extLst>
+              <a:ext uri="{FF2B5EF4-FFF2-40B4-BE49-F238E27FC236}">
+                <a16:creationId xmlns:a16="http://schemas.microsoft.com/office/drawing/2014/main" id="{8FD84560-75B6-41B4-AFDD-B0CF83F316C8}"/>
+              </a:ext>
+            </a:extLst>
+          </p:cNvPr>
+          <p:cNvSpPr txBox="1">
+            <a:spLocks/>
+          </p:cNvSpPr>
+          <p:nvPr/>
+        </p:nvSpPr>
+        <p:spPr>
+          <a:xfrm>
+            <a:off x="2476870" y="486053"/>
+            <a:ext cx="7331376" cy="668045"/>
+          </a:xfrm>
+          <a:prstGeom prst="rect">
+            <a:avLst/>
+          </a:prstGeom>
+        </p:spPr>
+        <p:txBody>
+          <a:bodyPr vert="horz" lIns="91440" tIns="45720" rIns="91440" bIns="45720" rtlCol="1" anchor="b">
+            <a:normAutofit fontScale="70000" lnSpcReduction="20000"/>
+          </a:bodyPr>
+          <a:lstStyle>
+            <a:lvl1pPr algn="r" defTabSz="914400" rtl="1" eaLnBrk="1" latinLnBrk="0" hangingPunct="1">
+              <a:lnSpc>
+                <a:spcPct val="90000"/>
+              </a:lnSpc>
+              <a:spcBef>
+                <a:spcPct val="0"/>
+              </a:spcBef>
+              <a:buNone/>
+              <a:defRPr sz="4400" kern="1200">
+                <a:solidFill>
+                  <a:schemeClr val="tx1"/>
+                </a:solidFill>
+                <a:latin typeface="+mj-lt"/>
+                <a:ea typeface="+mj-ea"/>
+                <a:cs typeface="+mj-cs"/>
+              </a:defRPr>
+            </a:lvl1pPr>
+          </a:lstStyle>
+          <a:p>
+            <a:pPr algn="l"/>
+            <a:r>
+              <a:rPr lang="he-IL" sz="4800" dirty="0">
+                <a:solidFill>
+                  <a:schemeClr val="accent2"/>
+                </a:solidFill>
+                <a:cs typeface="+mn-cs"/>
+              </a:rPr>
+              <a:t>דוגמאות לשימוש בנושאים שנלמדו בקורס</a:t>
+            </a:r>
+            <a:r>
+              <a:rPr lang="en-US" sz="4800" dirty="0">
+                <a:solidFill>
+                  <a:schemeClr val="accent2"/>
+                </a:solidFill>
+                <a:cs typeface="+mn-cs"/>
+              </a:rPr>
+              <a:t>:</a:t>
+            </a:r>
+          </a:p>
+        </p:txBody>
+      </p:sp>
+      <p:sp>
+        <p:nvSpPr>
+          <p:cNvPr id="6" name="כותרת 1">
+            <a:extLst>
+              <a:ext uri="{FF2B5EF4-FFF2-40B4-BE49-F238E27FC236}">
+                <a16:creationId xmlns:a16="http://schemas.microsoft.com/office/drawing/2014/main" id="{EE6E56BB-E221-4262-AF84-4CC0DDAF0D20}"/>
+              </a:ext>
+            </a:extLst>
+          </p:cNvPr>
+          <p:cNvSpPr txBox="1">
+            <a:spLocks/>
+          </p:cNvSpPr>
+          <p:nvPr/>
+        </p:nvSpPr>
+        <p:spPr>
+          <a:xfrm>
+            <a:off x="284085" y="1671619"/>
+            <a:ext cx="11720733" cy="4809079"/>
+          </a:xfrm>
+          <a:prstGeom prst="rect">
+            <a:avLst/>
+          </a:prstGeom>
+        </p:spPr>
+        <p:txBody>
+          <a:bodyPr vert="horz" lIns="91440" tIns="45720" rIns="91440" bIns="45720" rtlCol="1" anchor="t">
+            <a:noAutofit/>
+          </a:bodyPr>
+          <a:lstStyle>
+            <a:lvl1pPr algn="r" defTabSz="914400" rtl="1" eaLnBrk="1" latinLnBrk="0" hangingPunct="1">
+              <a:lnSpc>
+                <a:spcPct val="90000"/>
+              </a:lnSpc>
+              <a:spcBef>
+                <a:spcPct val="0"/>
+              </a:spcBef>
+              <a:buNone/>
+              <a:defRPr sz="4400" kern="1200">
+                <a:solidFill>
+                  <a:schemeClr val="tx1"/>
+                </a:solidFill>
+                <a:latin typeface="+mj-lt"/>
+                <a:ea typeface="+mj-ea"/>
+                <a:cs typeface="+mj-cs"/>
+              </a:defRPr>
+            </a:lvl1pPr>
+          </a:lstStyle>
+          <a:p>
+            <a:pPr marL="285750" indent="-285750">
+              <a:lnSpc>
+                <a:spcPct val="150000"/>
+              </a:lnSpc>
+              <a:buFont typeface="Arial" panose="020B0604020202020204" pitchFamily="34" charset="0"/>
+              <a:buChar char="•"/>
+            </a:pPr>
+            <a:r>
+              <a:rPr lang="he-IL" sz="1800" dirty="0">
+                <a:solidFill>
+                  <a:schemeClr val="bg1"/>
+                </a:solidFill>
+                <a:cs typeface="+mn-cs"/>
+              </a:rPr>
+              <a:t>הורשה:</a:t>
+            </a:r>
+            <a:r>
+              <a:rPr lang="en-US" sz="1800" dirty="0">
+                <a:solidFill>
+                  <a:schemeClr val="bg1"/>
+                </a:solidFill>
+                <a:cs typeface="+mn-cs"/>
+              </a:rPr>
+              <a:t>  </a:t>
+            </a:r>
+            <a:r>
+              <a:rPr lang="he-IL" sz="1800" dirty="0">
+                <a:solidFill>
+                  <a:schemeClr val="bg1"/>
+                </a:solidFill>
+                <a:cs typeface="+mn-cs"/>
+              </a:rPr>
+              <a:t>המחלקות שמייצגות את האובייקטים "עובד" ו"לקוח" יורשות מהמחלקה "בן אדם"</a:t>
+            </a:r>
+            <a:r>
+              <a:rPr lang="en-US" sz="1800" dirty="0">
+                <a:solidFill>
+                  <a:schemeClr val="bg1"/>
+                </a:solidFill>
+                <a:cs typeface="+mn-cs"/>
+              </a:rPr>
+              <a:t> </a:t>
+            </a:r>
+            <a:r>
+              <a:rPr lang="he-IL" sz="1800" dirty="0">
+                <a:solidFill>
+                  <a:schemeClr val="bg1"/>
+                </a:solidFill>
+                <a:cs typeface="+mn-cs"/>
+              </a:rPr>
+              <a:t>.</a:t>
+            </a:r>
+          </a:p>
+          <a:p>
+            <a:pPr marL="285750" indent="-285750">
+              <a:lnSpc>
+                <a:spcPct val="150000"/>
+              </a:lnSpc>
+              <a:buFont typeface="Arial" panose="020B0604020202020204" pitchFamily="34" charset="0"/>
+              <a:buChar char="•"/>
+            </a:pPr>
+            <a:r>
+              <a:rPr lang="he-IL" sz="1800" dirty="0">
+                <a:solidFill>
+                  <a:schemeClr val="bg1"/>
+                </a:solidFill>
+                <a:cs typeface="+mn-cs"/>
+              </a:rPr>
+              <a:t>הכלה: באובייקט מסוג "</a:t>
+            </a:r>
+            <a:r>
+              <a:rPr lang="en-US" sz="1800" dirty="0">
+                <a:solidFill>
+                  <a:schemeClr val="bg1"/>
+                </a:solidFill>
+                <a:cs typeface="+mn-cs"/>
+              </a:rPr>
+              <a:t>ORDER</a:t>
+            </a:r>
+            <a:r>
+              <a:rPr lang="he-IL" sz="1800" dirty="0">
+                <a:solidFill>
+                  <a:schemeClr val="bg1"/>
+                </a:solidFill>
+                <a:cs typeface="+mn-cs"/>
+              </a:rPr>
+              <a:t>" מוכלים אובייקטים מסוג "שעה", "תאריך", "לקוח", "</a:t>
+            </a:r>
+            <a:r>
+              <a:rPr lang="en-US" sz="1800" dirty="0">
+                <a:solidFill>
+                  <a:schemeClr val="bg1"/>
+                </a:solidFill>
+                <a:cs typeface="+mn-cs"/>
+              </a:rPr>
+              <a:t>ITEM</a:t>
+            </a:r>
+            <a:r>
+              <a:rPr lang="he-IL" sz="1800" dirty="0">
+                <a:solidFill>
+                  <a:schemeClr val="bg1"/>
+                </a:solidFill>
+                <a:cs typeface="+mn-cs"/>
+              </a:rPr>
+              <a:t>" וכו'.</a:t>
+            </a:r>
+          </a:p>
+          <a:p>
+            <a:pPr marL="285750" indent="-285750">
+              <a:lnSpc>
+                <a:spcPct val="150000"/>
+              </a:lnSpc>
+              <a:buFont typeface="Arial" panose="020B0604020202020204" pitchFamily="34" charset="0"/>
+              <a:buChar char="•"/>
+            </a:pPr>
+            <a:r>
+              <a:rPr lang="he-IL" sz="1800" dirty="0">
+                <a:solidFill>
+                  <a:schemeClr val="bg1"/>
+                </a:solidFill>
+                <a:cs typeface="+mn-cs"/>
+              </a:rPr>
+              <a:t>פולימורפיזם: במחלקה </a:t>
+            </a:r>
+            <a:r>
+              <a:rPr lang="en-US" sz="1800" dirty="0">
+                <a:solidFill>
+                  <a:schemeClr val="bg1"/>
+                </a:solidFill>
+                <a:cs typeface="+mn-cs"/>
+              </a:rPr>
+              <a:t>MENUDB</a:t>
+            </a:r>
+            <a:r>
+              <a:rPr lang="he-IL" sz="1800" dirty="0">
+                <a:solidFill>
+                  <a:schemeClr val="bg1"/>
+                </a:solidFill>
+                <a:cs typeface="+mn-cs"/>
+              </a:rPr>
+              <a:t>.</a:t>
+            </a:r>
+          </a:p>
+          <a:p>
+            <a:pPr marL="285750" indent="-285750">
+              <a:lnSpc>
+                <a:spcPct val="150000"/>
+              </a:lnSpc>
+              <a:buFont typeface="Arial" panose="020B0604020202020204" pitchFamily="34" charset="0"/>
+              <a:buChar char="•"/>
+            </a:pPr>
+            <a:r>
+              <a:rPr lang="he-IL" sz="1800" dirty="0">
+                <a:solidFill>
+                  <a:schemeClr val="bg1"/>
+                </a:solidFill>
+                <a:cs typeface="+mn-cs"/>
+              </a:rPr>
+              <a:t>בנאים: בנאי פרמטרים – במחלקה </a:t>
+            </a:r>
+            <a:r>
+              <a:rPr lang="en-US" sz="1800" dirty="0">
+                <a:solidFill>
+                  <a:schemeClr val="bg1"/>
+                </a:solidFill>
+                <a:cs typeface="+mn-cs"/>
+              </a:rPr>
+              <a:t>ITEM</a:t>
+            </a:r>
+            <a:r>
+              <a:rPr lang="he-IL" sz="1800" dirty="0">
+                <a:solidFill>
+                  <a:schemeClr val="bg1"/>
+                </a:solidFill>
+                <a:cs typeface="+mn-cs"/>
+              </a:rPr>
+              <a:t>. בנאי העתקה – במחלקה </a:t>
+            </a:r>
+            <a:r>
+              <a:rPr lang="en-US" sz="1800" dirty="0">
+                <a:solidFill>
+                  <a:schemeClr val="bg1"/>
+                </a:solidFill>
+                <a:cs typeface="+mn-cs"/>
+              </a:rPr>
+              <a:t>DATE</a:t>
+            </a:r>
+            <a:r>
+              <a:rPr lang="he-IL" sz="1800" dirty="0">
+                <a:solidFill>
+                  <a:schemeClr val="bg1"/>
+                </a:solidFill>
+                <a:cs typeface="+mn-cs"/>
+              </a:rPr>
+              <a:t>. בנאי </a:t>
+            </a:r>
+            <a:r>
+              <a:rPr lang="he-IL" sz="1800" dirty="0" err="1">
+                <a:solidFill>
+                  <a:schemeClr val="bg1"/>
+                </a:solidFill>
+                <a:cs typeface="+mn-cs"/>
+              </a:rPr>
+              <a:t>דיפולטיבי</a:t>
+            </a:r>
+            <a:r>
+              <a:rPr lang="he-IL" sz="1800" dirty="0">
+                <a:solidFill>
+                  <a:schemeClr val="bg1"/>
+                </a:solidFill>
+                <a:cs typeface="+mn-cs"/>
+              </a:rPr>
+              <a:t> - </a:t>
+            </a:r>
+            <a:r>
+              <a:rPr lang="en-US" sz="1800" dirty="0">
+                <a:solidFill>
+                  <a:schemeClr val="bg1"/>
+                </a:solidFill>
+                <a:cs typeface="+mn-cs"/>
+              </a:rPr>
+              <a:t>EMPLOYEEDB</a:t>
+            </a:r>
+            <a:endParaRPr lang="he-IL" sz="1800" dirty="0">
+              <a:solidFill>
+                <a:schemeClr val="bg1"/>
+              </a:solidFill>
+              <a:cs typeface="+mn-cs"/>
+            </a:endParaRPr>
+          </a:p>
+          <a:p>
+            <a:pPr marL="285750" indent="-285750">
+              <a:lnSpc>
+                <a:spcPct val="150000"/>
+              </a:lnSpc>
+              <a:buFont typeface="Arial" panose="020B0604020202020204" pitchFamily="34" charset="0"/>
+              <a:buChar char="•"/>
+            </a:pPr>
+            <a:r>
+              <a:rPr lang="he-IL" sz="1800" dirty="0">
+                <a:solidFill>
+                  <a:schemeClr val="bg1"/>
+                </a:solidFill>
+                <a:cs typeface="+mn-cs"/>
+              </a:rPr>
+              <a:t>מחלקה אבסטרקטית: המחלקה </a:t>
+            </a:r>
+            <a:r>
+              <a:rPr lang="en-US" sz="1800" dirty="0">
+                <a:solidFill>
+                  <a:schemeClr val="bg1"/>
+                </a:solidFill>
+                <a:cs typeface="+mn-cs"/>
+              </a:rPr>
+              <a:t>PERSON</a:t>
+            </a:r>
+            <a:endParaRPr lang="he-IL" sz="1800" dirty="0">
+              <a:solidFill>
+                <a:schemeClr val="bg1"/>
+              </a:solidFill>
+              <a:cs typeface="+mn-cs"/>
+            </a:endParaRPr>
+          </a:p>
+          <a:p>
+            <a:pPr marL="285750" indent="-285750">
+              <a:lnSpc>
+                <a:spcPct val="150000"/>
+              </a:lnSpc>
+              <a:buFont typeface="Arial" panose="020B0604020202020204" pitchFamily="34" charset="0"/>
+              <a:buChar char="•"/>
+            </a:pPr>
+            <a:r>
+              <a:rPr lang="he-IL" sz="1800" dirty="0">
+                <a:solidFill>
+                  <a:schemeClr val="bg1"/>
+                </a:solidFill>
+                <a:cs typeface="+mn-cs"/>
+              </a:rPr>
+              <a:t>אוברידינג: שיטת </a:t>
+            </a:r>
+            <a:r>
+              <a:rPr lang="en-US" sz="1800" dirty="0">
+                <a:solidFill>
+                  <a:schemeClr val="bg1"/>
+                </a:solidFill>
+                <a:cs typeface="+mn-cs"/>
+              </a:rPr>
+              <a:t>TO STRING </a:t>
+            </a:r>
+            <a:r>
+              <a:rPr lang="he-IL" sz="1800" dirty="0">
+                <a:solidFill>
+                  <a:schemeClr val="bg1"/>
+                </a:solidFill>
+                <a:cs typeface="+mn-cs"/>
+              </a:rPr>
+              <a:t> במחלקת </a:t>
+            </a:r>
+            <a:r>
+              <a:rPr lang="en-US" sz="1800" dirty="0">
+                <a:solidFill>
+                  <a:schemeClr val="bg1"/>
+                </a:solidFill>
+                <a:cs typeface="+mn-cs"/>
+              </a:rPr>
+              <a:t>CUSTUMER</a:t>
+            </a:r>
+            <a:endParaRPr lang="he-IL" sz="1800" dirty="0">
+              <a:solidFill>
+                <a:schemeClr val="bg1"/>
+              </a:solidFill>
+              <a:cs typeface="+mn-cs"/>
+            </a:endParaRPr>
+          </a:p>
+          <a:p>
+            <a:pPr marL="285750" indent="-285750">
+              <a:lnSpc>
+                <a:spcPct val="150000"/>
+              </a:lnSpc>
+              <a:buFont typeface="Arial" panose="020B0604020202020204" pitchFamily="34" charset="0"/>
+              <a:buChar char="•"/>
+            </a:pPr>
+            <a:r>
+              <a:rPr lang="he-IL" sz="1800" dirty="0">
+                <a:solidFill>
+                  <a:schemeClr val="bg1"/>
+                </a:solidFill>
+                <a:cs typeface="+mn-cs"/>
+              </a:rPr>
+              <a:t>אוברלודינג: במחלקה </a:t>
+            </a:r>
+            <a:r>
+              <a:rPr lang="en-US" sz="1800" dirty="0">
+                <a:solidFill>
+                  <a:schemeClr val="bg1"/>
+                </a:solidFill>
+                <a:cs typeface="+mn-cs"/>
+              </a:rPr>
+              <a:t>FOOD</a:t>
+            </a:r>
+            <a:endParaRPr lang="he-IL" sz="1800" dirty="0">
+              <a:solidFill>
+                <a:schemeClr val="bg1"/>
+              </a:solidFill>
+              <a:cs typeface="+mn-cs"/>
+            </a:endParaRPr>
+          </a:p>
+          <a:p>
+            <a:pPr marL="285750" indent="-285750">
+              <a:lnSpc>
+                <a:spcPct val="150000"/>
+              </a:lnSpc>
+              <a:buFont typeface="Arial" panose="020B0604020202020204" pitchFamily="34" charset="0"/>
+              <a:buChar char="•"/>
+            </a:pPr>
+            <a:r>
+              <a:rPr lang="he-IL" sz="1800" dirty="0">
+                <a:solidFill>
+                  <a:schemeClr val="bg1"/>
+                </a:solidFill>
+                <a:cs typeface="+mn-cs"/>
+              </a:rPr>
+              <a:t>הכמסה: במחלקה </a:t>
+            </a:r>
+            <a:r>
+              <a:rPr lang="en-US" sz="1800" dirty="0">
+                <a:solidFill>
+                  <a:schemeClr val="bg1"/>
+                </a:solidFill>
+                <a:cs typeface="+mn-cs"/>
+              </a:rPr>
+              <a:t>TIME</a:t>
+            </a:r>
+            <a:endParaRPr lang="he-IL" sz="1800" dirty="0">
+              <a:solidFill>
+                <a:schemeClr val="bg1"/>
+              </a:solidFill>
+              <a:cs typeface="+mn-cs"/>
+            </a:endParaRPr>
+          </a:p>
+          <a:p>
+            <a:pPr marL="285750" indent="-285750">
+              <a:lnSpc>
+                <a:spcPct val="150000"/>
+              </a:lnSpc>
+              <a:buFont typeface="Arial" panose="020B0604020202020204" pitchFamily="34" charset="0"/>
+              <a:buChar char="•"/>
+            </a:pPr>
+            <a:r>
+              <a:rPr lang="he-IL" sz="1800" dirty="0">
+                <a:solidFill>
+                  <a:schemeClr val="bg1"/>
+                </a:solidFill>
+                <a:cs typeface="+mn-cs"/>
+              </a:rPr>
+              <a:t>תכונה קבועה: </a:t>
+            </a:r>
+            <a:r>
+              <a:rPr lang="en-US" sz="1800" dirty="0">
+                <a:solidFill>
+                  <a:schemeClr val="bg1"/>
+                </a:solidFill>
+                <a:cs typeface="+mn-cs"/>
+              </a:rPr>
+              <a:t>EMPLOYEEDB</a:t>
+            </a:r>
+            <a:endParaRPr lang="he-IL" sz="1800" dirty="0">
+              <a:solidFill>
+                <a:schemeClr val="bg1"/>
+              </a:solidFill>
+              <a:cs typeface="+mn-cs"/>
+            </a:endParaRPr>
+          </a:p>
+          <a:p>
+            <a:pPr marL="285750" indent="-285750">
+              <a:lnSpc>
+                <a:spcPct val="150000"/>
+              </a:lnSpc>
+              <a:buFont typeface="Arial" panose="020B0604020202020204" pitchFamily="34" charset="0"/>
+              <a:buChar char="•"/>
+            </a:pPr>
+            <a:endParaRPr lang="en-US" sz="1800" dirty="0">
+              <a:solidFill>
+                <a:schemeClr val="bg1"/>
+              </a:solidFill>
+              <a:cs typeface="+mn-cs"/>
+            </a:endParaRPr>
+          </a:p>
+        </p:txBody>
+      </p:sp>
+    </p:spTree>
+    <p:extLst>
+      <p:ext uri="{BB962C8B-B14F-4D97-AF65-F5344CB8AC3E}">
+        <p14:creationId xmlns:p14="http://schemas.microsoft.com/office/powerpoint/2010/main" val="480502424"/>
       </p:ext>
     </p:extLst>
   </p:cSld>
